--- a/tutorials/Bayesian Calibration.pptx
+++ b/tutorials/Bayesian Calibration.pptx
@@ -435,7 +435,7 @@
               <a:pPr>
                 <a:defRPr/>
               </a:pPr>
-              <a:t>9/10/2019</a:t>
+              <a:t>9/16/2019</a:t>
             </a:fld>
             <a:endParaRPr lang="en-US"/>
           </a:p>
@@ -671,7 +671,7 @@
               <a:pPr>
                 <a:defRPr/>
               </a:pPr>
-              <a:t>9/10/2019</a:t>
+              <a:t>9/16/2019</a:t>
             </a:fld>
             <a:endParaRPr lang="en-US"/>
           </a:p>
@@ -2066,7 +2066,7 @@
               <a:pPr>
                 <a:defRPr/>
               </a:pPr>
-              <a:t>9/10/2019</a:t>
+              <a:t>9/16/2019</a:t>
             </a:fld>
             <a:endParaRPr lang="en-US"/>
           </a:p>
@@ -3439,7 +3439,7 @@
               <a:pPr>
                 <a:defRPr/>
               </a:pPr>
-              <a:t>9/10/2019</a:t>
+              <a:t>9/16/2019</a:t>
             </a:fld>
             <a:endParaRPr lang="en-US"/>
           </a:p>
@@ -3922,7 +3922,7 @@
               <a:pPr>
                 <a:defRPr/>
               </a:pPr>
-              <a:t>9/10/2019</a:t>
+              <a:t>9/16/2019</a:t>
             </a:fld>
             <a:endParaRPr lang="en-US"/>
           </a:p>
@@ -4228,7 +4228,7 @@
               <a:pPr>
                 <a:defRPr/>
               </a:pPr>
-              <a:t>9/10/2019</a:t>
+              <a:t>9/16/2019</a:t>
             </a:fld>
             <a:endParaRPr lang="en-US"/>
           </a:p>
@@ -4566,7 +4566,7 @@
               <a:pPr>
                 <a:defRPr/>
               </a:pPr>
-              <a:t>9/10/2019</a:t>
+              <a:t>9/16/2019</a:t>
             </a:fld>
             <a:endParaRPr lang="en-US"/>
           </a:p>
@@ -5071,7 +5071,7 @@
               <a:pPr>
                 <a:defRPr/>
               </a:pPr>
-              <a:t>9/10/2019</a:t>
+              <a:t>9/16/2019</a:t>
             </a:fld>
             <a:endParaRPr lang="en-US"/>
           </a:p>
@@ -5326,7 +5326,7 @@
               <a:pPr>
                 <a:defRPr/>
               </a:pPr>
-              <a:t>9/10/2019</a:t>
+              <a:t>9/16/2019</a:t>
             </a:fld>
             <a:endParaRPr lang="en-US"/>
           </a:p>
@@ -6147,7 +6147,7 @@
               <a:pPr>
                 <a:defRPr/>
               </a:pPr>
-              <a:t>9/10/2019</a:t>
+              <a:t>9/16/2019</a:t>
             </a:fld>
             <a:endParaRPr lang="en-US"/>
           </a:p>
@@ -6626,7 +6626,7 @@
               <a:pPr>
                 <a:defRPr/>
               </a:pPr>
-              <a:t>9/10/2019</a:t>
+              <a:t>9/16/2019</a:t>
             </a:fld>
             <a:endParaRPr lang="en-US"/>
           </a:p>
@@ -6924,7 +6924,7 @@
               <a:pPr>
                 <a:defRPr/>
               </a:pPr>
-              <a:t>9/10/2019</a:t>
+              <a:t>9/16/2019</a:t>
             </a:fld>
             <a:endParaRPr lang="en-US"/>
           </a:p>
@@ -7258,7 +7258,7 @@
               <a:pPr>
                 <a:defRPr/>
               </a:pPr>
-              <a:t>9/10/2019</a:t>
+              <a:t>9/16/2019</a:t>
             </a:fld>
             <a:endParaRPr lang="en-US"/>
           </a:p>
@@ -7573,7 +7573,7 @@
               <a:pPr>
                 <a:defRPr/>
               </a:pPr>
-              <a:t>9/10/2019</a:t>
+              <a:t>9/16/2019</a:t>
             </a:fld>
             <a:endParaRPr lang="en-US"/>
           </a:p>
@@ -9952,11 +9952,11 @@
             </a:pPr>
             <a:r>
               <a:rPr lang="en-US" sz="1600" kern="0" dirty="0"/>
-              <a:t>     In this example, we select the infiltration, </a:t>
+              <a:t>     In this example, we select the </a:t>
             </a:r>
             <a:r>
               <a:rPr lang="en-US" sz="1600" dirty="0"/>
-              <a:t>lights, and plug load respectively. </a:t>
+              <a:t>lights, plug load, and outdoor air flow rate respectively. </a:t>
             </a:r>
             <a:endParaRPr lang="en-US" sz="1600" kern="0" dirty="0"/>
           </a:p>
@@ -9964,10 +9964,10 @@
       </p:sp>
       <p:pic>
         <p:nvPicPr>
-          <p:cNvPr id="7" name="Picture 6">
+          <p:cNvPr id="5" name="Picture 4">
             <a:extLst>
               <a:ext uri="{FF2B5EF4-FFF2-40B4-BE49-F238E27FC236}">
-                <a16:creationId xmlns:a16="http://schemas.microsoft.com/office/drawing/2014/main" id="{9D824709-70EF-4E49-BAB6-F18EF7B74455}"/>
+                <a16:creationId xmlns:a16="http://schemas.microsoft.com/office/drawing/2014/main" id="{5AB9AB95-C8FA-4777-9E53-F52F05576942}"/>
               </a:ext>
             </a:extLst>
           </p:cNvPr>
@@ -9984,8 +9984,8 @@
         </p:blipFill>
         <p:spPr>
           <a:xfrm>
-            <a:off x="152400" y="4724400"/>
-            <a:ext cx="4389120" cy="807522"/>
+            <a:off x="228600" y="4724400"/>
+            <a:ext cx="4224527" cy="914400"/>
           </a:xfrm>
           <a:prstGeom prst="rect">
             <a:avLst/>
@@ -9994,10 +9994,10 @@
       </p:pic>
       <p:pic>
         <p:nvPicPr>
-          <p:cNvPr id="8" name="Picture 7">
+          <p:cNvPr id="6" name="Picture 5">
             <a:extLst>
               <a:ext uri="{FF2B5EF4-FFF2-40B4-BE49-F238E27FC236}">
-                <a16:creationId xmlns:a16="http://schemas.microsoft.com/office/drawing/2014/main" id="{A04870F8-EA08-4A3C-BA09-B9D04FD80682}"/>
+                <a16:creationId xmlns:a16="http://schemas.microsoft.com/office/drawing/2014/main" id="{45356A33-DC5D-4A18-88C1-8809D3FC654E}"/>
               </a:ext>
             </a:extLst>
           </p:cNvPr>
@@ -10014,8 +10014,8 @@
         </p:blipFill>
         <p:spPr>
           <a:xfrm>
-            <a:off x="4629462" y="4724400"/>
-            <a:ext cx="4389120" cy="807522"/>
+            <a:off x="4694150" y="4724400"/>
+            <a:ext cx="4245757" cy="914400"/>
           </a:xfrm>
           <a:prstGeom prst="rect">
             <a:avLst/>
@@ -10333,7 +10333,7 @@
                   <a:srgbClr val="C00000"/>
                 </a:solidFill>
               </a:rPr>
-              <a:t>Utility.csv</a:t>
+              <a:t>Utility_Data.csv</a:t>
             </a:r>
             <a:r>
               <a:rPr lang="en-US" sz="1400" kern="0" dirty="0"/>
@@ -11862,10 +11862,10 @@
       </p:grpSpPr>
       <p:pic>
         <p:nvPicPr>
-          <p:cNvPr id="8" name="Picture 7">
+          <p:cNvPr id="5" name="Picture 4">
             <a:extLst>
               <a:ext uri="{FF2B5EF4-FFF2-40B4-BE49-F238E27FC236}">
-                <a16:creationId xmlns:a16="http://schemas.microsoft.com/office/drawing/2014/main" id="{6C21CA9B-D857-43B0-BC51-814D0B8C7A84}"/>
+                <a16:creationId xmlns:a16="http://schemas.microsoft.com/office/drawing/2014/main" id="{4D29A3D0-31ED-41E5-8371-9D959118F388}"/>
               </a:ext>
             </a:extLst>
           </p:cNvPr>
@@ -11882,8 +11882,8 @@
         </p:blipFill>
         <p:spPr>
           <a:xfrm>
-            <a:off x="304800" y="3601895"/>
-            <a:ext cx="8656479" cy="660057"/>
+            <a:off x="149223" y="3614219"/>
+            <a:ext cx="8766177" cy="689666"/>
           </a:xfrm>
           <a:prstGeom prst="rect">
             <a:avLst/>
@@ -12034,8 +12034,8 @@
         </p:nvSpPr>
         <p:spPr bwMode="auto">
           <a:xfrm>
-            <a:off x="1186614" y="4122642"/>
-            <a:ext cx="946985" cy="193932"/>
+            <a:off x="1186615" y="4122642"/>
+            <a:ext cx="870786" cy="188432"/>
           </a:xfrm>
           <a:prstGeom prst="rect">
             <a:avLst/>
@@ -12094,7 +12094,7 @@
         <p:spPr bwMode="auto">
           <a:xfrm>
             <a:off x="2286000" y="4117142"/>
-            <a:ext cx="2362200" cy="178453"/>
+            <a:ext cx="2493197" cy="186743"/>
           </a:xfrm>
           <a:prstGeom prst="rect">
             <a:avLst/>
@@ -12152,7 +12152,7 @@
         </p:nvSpPr>
         <p:spPr>
           <a:xfrm>
-            <a:off x="883175" y="4724155"/>
+            <a:off x="845077" y="4724221"/>
             <a:ext cx="1553862" cy="738664"/>
           </a:xfrm>
           <a:prstGeom prst="rect">
@@ -12223,7 +12223,7 @@
         </p:nvSpPr>
         <p:spPr>
           <a:xfrm>
-            <a:off x="2345502" y="4725848"/>
+            <a:off x="2411001" y="4724221"/>
             <a:ext cx="2243195" cy="523220"/>
           </a:xfrm>
           <a:prstGeom prst="rect">
@@ -12254,7 +12254,7 @@
                 </a:solidFill>
                 <a:latin typeface="Arial" pitchFamily="34" charset="0"/>
               </a:rPr>
-              <a:t>Replace with the weather file of your building  model</a:t>
+              <a:t>Replace with the weather file of your building model</a:t>
             </a:r>
           </a:p>
         </p:txBody>
@@ -12277,8 +12277,8 @@
         </p:nvCxnSpPr>
         <p:spPr bwMode="auto">
           <a:xfrm flipV="1">
-            <a:off x="1660106" y="4316574"/>
-            <a:ext cx="1" cy="407581"/>
+            <a:off x="1622008" y="4311074"/>
+            <a:ext cx="0" cy="413147"/>
           </a:xfrm>
           <a:prstGeom prst="straightConnector1">
             <a:avLst/>
@@ -12316,8 +12316,8 @@
         </p:nvCxnSpPr>
         <p:spPr bwMode="auto">
           <a:xfrm flipV="1">
-            <a:off x="3467100" y="4295595"/>
-            <a:ext cx="0" cy="430253"/>
+            <a:off x="3532599" y="4303885"/>
+            <a:ext cx="0" cy="420336"/>
           </a:xfrm>
           <a:prstGeom prst="straightConnector1">
             <a:avLst/>
@@ -12351,8 +12351,8 @@
         </p:nvSpPr>
         <p:spPr bwMode="auto">
           <a:xfrm>
-            <a:off x="1447800" y="3889568"/>
-            <a:ext cx="7546977" cy="178452"/>
+            <a:off x="1447800" y="3926368"/>
+            <a:ext cx="7546977" cy="188432"/>
           </a:xfrm>
           <a:prstGeom prst="rect">
             <a:avLst/>
@@ -12415,7 +12415,7 @@
         <p:spPr bwMode="auto">
           <a:xfrm>
             <a:off x="5221289" y="3274557"/>
-            <a:ext cx="0" cy="615011"/>
+            <a:ext cx="0" cy="651811"/>
           </a:xfrm>
           <a:prstGeom prst="straightConnector1">
             <a:avLst/>
@@ -14475,10 +14475,10 @@
       </p:pic>
       <p:pic>
         <p:nvPicPr>
-          <p:cNvPr id="7" name="Picture 6">
+          <p:cNvPr id="9" name="Picture 8">
             <a:extLst>
               <a:ext uri="{FF2B5EF4-FFF2-40B4-BE49-F238E27FC236}">
-                <a16:creationId xmlns:a16="http://schemas.microsoft.com/office/drawing/2014/main" id="{C6F694E0-AC7F-4659-BD98-09940C3B2792}"/>
+                <a16:creationId xmlns:a16="http://schemas.microsoft.com/office/drawing/2014/main" id="{C7C5BFDF-895F-4D00-A366-DBD7BBBE80B2}"/>
               </a:ext>
             </a:extLst>
           </p:cNvPr>
@@ -14495,8 +14495,8 @@
         </p:blipFill>
         <p:spPr>
           <a:xfrm>
-            <a:off x="4614747" y="2527822"/>
-            <a:ext cx="3200400" cy="3200400"/>
+            <a:off x="4583853" y="2148841"/>
+            <a:ext cx="3654621" cy="3657600"/>
           </a:xfrm>
           <a:prstGeom prst="rect">
             <a:avLst/>
@@ -14578,13 +14578,13 @@
           <a:p>
             <a:r>
               <a:rPr lang="en-US" dirty="0"/>
-              <a:t>The full range reduces </a:t>
+              <a:t>The full range does not reduce notably </a:t>
             </a:r>
           </a:p>
           <a:p>
             <a:r>
               <a:rPr lang="en-US" dirty="0"/>
-              <a:t>The most likely region also reduces</a:t>
+              <a:t>The most likely region does not reduce notably, either</a:t>
             </a:r>
           </a:p>
         </p:txBody>
@@ -14620,10 +14620,10 @@
       </p:sp>
       <p:pic>
         <p:nvPicPr>
-          <p:cNvPr id="6" name="Picture 5">
+          <p:cNvPr id="7" name="Picture 6">
             <a:extLst>
               <a:ext uri="{FF2B5EF4-FFF2-40B4-BE49-F238E27FC236}">
-                <a16:creationId xmlns:a16="http://schemas.microsoft.com/office/drawing/2014/main" id="{CF3A9243-A305-44FE-84B2-9BFF696C0022}"/>
+                <a16:creationId xmlns:a16="http://schemas.microsoft.com/office/drawing/2014/main" id="{7175E1D2-F0E5-483A-9AAF-E3FD8FECC042}"/>
               </a:ext>
             </a:extLst>
           </p:cNvPr>
@@ -14640,8 +14640,8 @@
         </p:blipFill>
         <p:spPr>
           <a:xfrm>
-            <a:off x="2971800" y="2908832"/>
-            <a:ext cx="3200400" cy="3200400"/>
+            <a:off x="2971800" y="2703938"/>
+            <a:ext cx="3654621" cy="3657600"/>
           </a:xfrm>
           <a:prstGeom prst="rect">
             <a:avLst/>
@@ -14699,7 +14699,7 @@
           <a:lstStyle/>
           <a:p>
             <a:r>
-              <a:rPr lang="en-US" sz="2400" dirty="0"/>
+              <a:rPr lang="en-US" dirty="0"/>
               <a:t>Interpretation of the results</a:t>
             </a:r>
           </a:p>
@@ -14725,20 +14725,6 @@
               <a:t>Uncertainty didn’t reduce much, The peak didn’t shift</a:t>
             </a:r>
           </a:p>
-          <a:p>
-            <a:r>
-              <a:rPr lang="en-US" dirty="0"/>
-              <a:t>The mean shifted, the </a:t>
-            </a:r>
-            <a:r>
-              <a:rPr lang="en-US" dirty="0" err="1"/>
-              <a:t>sd</a:t>
-            </a:r>
-            <a:r>
-              <a:rPr lang="en-US" dirty="0"/>
-              <a:t> didn’t change much, the most probably shift to the left </a:t>
-            </a:r>
-          </a:p>
         </p:txBody>
       </p:sp>
       <p:sp>
@@ -14772,10 +14758,10 @@
       </p:sp>
       <p:pic>
         <p:nvPicPr>
-          <p:cNvPr id="5" name="Picture 4">
+          <p:cNvPr id="6" name="Picture 5">
             <a:extLst>
               <a:ext uri="{FF2B5EF4-FFF2-40B4-BE49-F238E27FC236}">
-                <a16:creationId xmlns:a16="http://schemas.microsoft.com/office/drawing/2014/main" id="{0A2FE411-A50A-4055-895B-8791AB5968BC}"/>
+                <a16:creationId xmlns:a16="http://schemas.microsoft.com/office/drawing/2014/main" id="{44A62D2F-B437-478C-8C34-23BF9D8546FF}"/>
               </a:ext>
             </a:extLst>
           </p:cNvPr>
@@ -14792,8 +14778,8 @@
         </p:blipFill>
         <p:spPr>
           <a:xfrm>
-            <a:off x="2971800" y="2667000"/>
-            <a:ext cx="3200400" cy="3207924"/>
+            <a:off x="2976267" y="2697165"/>
+            <a:ext cx="3648665" cy="3657600"/>
           </a:xfrm>
           <a:prstGeom prst="rect">
             <a:avLst/>
@@ -17319,10 +17305,10 @@
       </p:sp>
       <p:pic>
         <p:nvPicPr>
-          <p:cNvPr id="4" name="Picture 3">
+          <p:cNvPr id="6" name="Picture 5">
             <a:extLst>
               <a:ext uri="{FF2B5EF4-FFF2-40B4-BE49-F238E27FC236}">
-                <a16:creationId xmlns:a16="http://schemas.microsoft.com/office/drawing/2014/main" id="{625E3EB1-C319-4E0A-B073-BEF4E0190B9C}"/>
+                <a16:creationId xmlns:a16="http://schemas.microsoft.com/office/drawing/2014/main" id="{A802ECC7-EA2D-4B32-88C3-2AFF7B39F5DC}"/>
               </a:ext>
             </a:extLst>
           </p:cNvPr>
@@ -17339,8 +17325,8 @@
         </p:blipFill>
         <p:spPr>
           <a:xfrm>
-            <a:off x="1524000" y="2570235"/>
-            <a:ext cx="3367087" cy="1595815"/>
+            <a:off x="1524000" y="2600715"/>
+            <a:ext cx="3295650" cy="1574407"/>
           </a:xfrm>
           <a:prstGeom prst="rect">
             <a:avLst/>
@@ -17377,6 +17363,1723 @@
           <a:chExt cx="0" cy="0"/>
         </a:xfrm>
       </p:grpSpPr>
+      <p:graphicFrame>
+        <p:nvGraphicFramePr>
+          <p:cNvPr id="12" name="Table 11">
+            <a:extLst>
+              <a:ext uri="{FF2B5EF4-FFF2-40B4-BE49-F238E27FC236}">
+                <a16:creationId xmlns:a16="http://schemas.microsoft.com/office/drawing/2014/main" id="{9F357A7D-E830-4DE0-ADC4-9DBE24220ACD}"/>
+              </a:ext>
+            </a:extLst>
+          </p:cNvPr>
+          <p:cNvGraphicFramePr>
+            <a:graphicFrameLocks noGrp="1"/>
+          </p:cNvGraphicFramePr>
+          <p:nvPr>
+            <p:extLst>
+              <p:ext uri="{D42A27DB-BD31-4B8C-83A1-F6EECF244321}">
+                <p14:modId xmlns:p14="http://schemas.microsoft.com/office/powerpoint/2010/main" val="1872245717"/>
+              </p:ext>
+            </p:extLst>
+          </p:nvPr>
+        </p:nvGraphicFramePr>
+        <p:xfrm>
+          <a:off x="152400" y="3333262"/>
+          <a:ext cx="8229599" cy="990300"/>
+        </p:xfrm>
+        <a:graphic>
+          <a:graphicData uri="http://schemas.openxmlformats.org/drawingml/2006/table">
+            <a:tbl>
+              <a:tblPr/>
+              <a:tblGrid>
+                <a:gridCol w="2533066">
+                  <a:extLst>
+                    <a:ext uri="{9D8B030D-6E8A-4147-A177-3AD203B41FA5}">
+                      <a16:colId xmlns:a16="http://schemas.microsoft.com/office/drawing/2014/main" val="1594655470"/>
+                    </a:ext>
+                  </a:extLst>
+                </a:gridCol>
+                <a:gridCol w="1111798">
+                  <a:extLst>
+                    <a:ext uri="{9D8B030D-6E8A-4147-A177-3AD203B41FA5}">
+                      <a16:colId xmlns:a16="http://schemas.microsoft.com/office/drawing/2014/main" val="3175602916"/>
+                    </a:ext>
+                  </a:extLst>
+                </a:gridCol>
+                <a:gridCol w="1180569">
+                  <a:extLst>
+                    <a:ext uri="{9D8B030D-6E8A-4147-A177-3AD203B41FA5}">
+                      <a16:colId xmlns:a16="http://schemas.microsoft.com/office/drawing/2014/main" val="1875164654"/>
+                    </a:ext>
+                  </a:extLst>
+                </a:gridCol>
+                <a:gridCol w="939871">
+                  <a:extLst>
+                    <a:ext uri="{9D8B030D-6E8A-4147-A177-3AD203B41FA5}">
+                      <a16:colId xmlns:a16="http://schemas.microsoft.com/office/drawing/2014/main" val="1040717010"/>
+                    </a:ext>
+                  </a:extLst>
+                </a:gridCol>
+                <a:gridCol w="813791">
+                  <a:extLst>
+                    <a:ext uri="{9D8B030D-6E8A-4147-A177-3AD203B41FA5}">
+                      <a16:colId xmlns:a16="http://schemas.microsoft.com/office/drawing/2014/main" val="1961329927"/>
+                    </a:ext>
+                  </a:extLst>
+                </a:gridCol>
+                <a:gridCol w="550168">
+                  <a:extLst>
+                    <a:ext uri="{9D8B030D-6E8A-4147-A177-3AD203B41FA5}">
+                      <a16:colId xmlns:a16="http://schemas.microsoft.com/office/drawing/2014/main" val="1796319276"/>
+                    </a:ext>
+                  </a:extLst>
+                </a:gridCol>
+                <a:gridCol w="550168">
+                  <a:extLst>
+                    <a:ext uri="{9D8B030D-6E8A-4147-A177-3AD203B41FA5}">
+                      <a16:colId xmlns:a16="http://schemas.microsoft.com/office/drawing/2014/main" val="1881563303"/>
+                    </a:ext>
+                  </a:extLst>
+                </a:gridCol>
+                <a:gridCol w="550168">
+                  <a:extLst>
+                    <a:ext uri="{9D8B030D-6E8A-4147-A177-3AD203B41FA5}">
+                      <a16:colId xmlns:a16="http://schemas.microsoft.com/office/drawing/2014/main" val="38392976"/>
+                    </a:ext>
+                  </a:extLst>
+                </a:gridCol>
+              </a:tblGrid>
+              <a:tr h="165050">
+                <a:tc>
+                  <a:txBody>
+                    <a:bodyPr/>
+                    <a:lstStyle/>
+                    <a:p>
+                      <a:pPr algn="l" fontAlgn="b"/>
+                      <a:r>
+                        <a:rPr lang="en-US" sz="1000" b="0" i="0" u="none" strike="noStrike" dirty="0">
+                          <a:solidFill>
+                            <a:srgbClr val="000000"/>
+                          </a:solidFill>
+                          <a:effectLst/>
+                          <a:latin typeface="Calibri" panose="020F0502020204030204" pitchFamily="34" charset="0"/>
+                        </a:rPr>
+                        <a:t>Parameter Type</a:t>
+                      </a:r>
+                    </a:p>
+                  </a:txBody>
+                  <a:tcPr marL="6877" marR="6877" marT="6877" marB="0" anchor="b">
+                    <a:lnL>
+                      <a:noFill/>
+                    </a:lnL>
+                    <a:lnR>
+                      <a:noFill/>
+                    </a:lnR>
+                    <a:lnT>
+                      <a:noFill/>
+                    </a:lnT>
+                    <a:lnB>
+                      <a:noFill/>
+                    </a:lnB>
+                  </a:tcPr>
+                </a:tc>
+                <a:tc>
+                  <a:txBody>
+                    <a:bodyPr/>
+                    <a:lstStyle/>
+                    <a:p>
+                      <a:pPr algn="l" fontAlgn="b"/>
+                      <a:r>
+                        <a:rPr lang="en-US" sz="1000" b="0" i="0" u="none" strike="noStrike">
+                          <a:solidFill>
+                            <a:srgbClr val="000000"/>
+                          </a:solidFill>
+                          <a:effectLst/>
+                          <a:latin typeface="Calibri" panose="020F0502020204030204" pitchFamily="34" charset="0"/>
+                        </a:rPr>
+                        <a:t>Object in the model</a:t>
+                      </a:r>
+                    </a:p>
+                  </a:txBody>
+                  <a:tcPr marL="6877" marR="6877" marT="6877" marB="0" anchor="b">
+                    <a:lnL>
+                      <a:noFill/>
+                    </a:lnL>
+                    <a:lnR>
+                      <a:noFill/>
+                    </a:lnR>
+                    <a:lnT>
+                      <a:noFill/>
+                    </a:lnT>
+                    <a:lnB>
+                      <a:noFill/>
+                    </a:lnB>
+                  </a:tcPr>
+                </a:tc>
+                <a:tc>
+                  <a:txBody>
+                    <a:bodyPr/>
+                    <a:lstStyle/>
+                    <a:p>
+                      <a:pPr algn="l" fontAlgn="b"/>
+                      <a:r>
+                        <a:rPr lang="en-US" sz="1000" b="0" i="0" u="none" strike="noStrike">
+                          <a:solidFill>
+                            <a:srgbClr val="000000"/>
+                          </a:solidFill>
+                          <a:effectLst/>
+                          <a:latin typeface="Calibri" panose="020F0502020204030204" pitchFamily="34" charset="0"/>
+                        </a:rPr>
+                        <a:t>Parameter Base Value</a:t>
+                      </a:r>
+                    </a:p>
+                  </a:txBody>
+                  <a:tcPr marL="6877" marR="6877" marT="6877" marB="0" anchor="b">
+                    <a:lnL>
+                      <a:noFill/>
+                    </a:lnL>
+                    <a:lnR>
+                      <a:noFill/>
+                    </a:lnR>
+                    <a:lnT>
+                      <a:noFill/>
+                    </a:lnT>
+                    <a:lnB>
+                      <a:noFill/>
+                    </a:lnB>
+                  </a:tcPr>
+                </a:tc>
+                <a:tc>
+                  <a:txBody>
+                    <a:bodyPr/>
+                    <a:lstStyle/>
+                    <a:p>
+                      <a:pPr algn="l" fontAlgn="b"/>
+                      <a:r>
+                        <a:rPr lang="en-US" sz="1000" b="0" i="0" u="none" strike="noStrike">
+                          <a:solidFill>
+                            <a:srgbClr val="000000"/>
+                          </a:solidFill>
+                          <a:effectLst/>
+                          <a:latin typeface="Calibri" panose="020F0502020204030204" pitchFamily="34" charset="0"/>
+                        </a:rPr>
+                        <a:t>Distribution</a:t>
+                      </a:r>
+                    </a:p>
+                  </a:txBody>
+                  <a:tcPr marL="6877" marR="6877" marT="6877" marB="0" anchor="b">
+                    <a:lnL>
+                      <a:noFill/>
+                    </a:lnL>
+                    <a:lnR>
+                      <a:noFill/>
+                    </a:lnR>
+                    <a:lnT>
+                      <a:noFill/>
+                    </a:lnT>
+                    <a:lnB>
+                      <a:noFill/>
+                    </a:lnB>
+                  </a:tcPr>
+                </a:tc>
+                <a:tc>
+                  <a:txBody>
+                    <a:bodyPr/>
+                    <a:lstStyle/>
+                    <a:p>
+                      <a:pPr algn="l" fontAlgn="b"/>
+                      <a:r>
+                        <a:rPr lang="en-US" sz="1000" b="0" i="0" u="none" strike="noStrike">
+                          <a:solidFill>
+                            <a:srgbClr val="000000"/>
+                          </a:solidFill>
+                          <a:effectLst/>
+                          <a:latin typeface="Calibri" panose="020F0502020204030204" pitchFamily="34" charset="0"/>
+                        </a:rPr>
+                        <a:t>Mean or Mode</a:t>
+                      </a:r>
+                    </a:p>
+                  </a:txBody>
+                  <a:tcPr marL="6877" marR="6877" marT="6877" marB="0" anchor="b">
+                    <a:lnL>
+                      <a:noFill/>
+                    </a:lnL>
+                    <a:lnR>
+                      <a:noFill/>
+                    </a:lnR>
+                    <a:lnT>
+                      <a:noFill/>
+                    </a:lnT>
+                    <a:lnB>
+                      <a:noFill/>
+                    </a:lnB>
+                  </a:tcPr>
+                </a:tc>
+                <a:tc>
+                  <a:txBody>
+                    <a:bodyPr/>
+                    <a:lstStyle/>
+                    <a:p>
+                      <a:pPr algn="l" fontAlgn="b"/>
+                      <a:r>
+                        <a:rPr lang="en-US" sz="1000" b="0" i="0" u="none" strike="noStrike">
+                          <a:solidFill>
+                            <a:srgbClr val="000000"/>
+                          </a:solidFill>
+                          <a:effectLst/>
+                          <a:latin typeface="Calibri" panose="020F0502020204030204" pitchFamily="34" charset="0"/>
+                        </a:rPr>
+                        <a:t>Std Dev</a:t>
+                      </a:r>
+                    </a:p>
+                  </a:txBody>
+                  <a:tcPr marL="6877" marR="6877" marT="6877" marB="0" anchor="b">
+                    <a:lnL>
+                      <a:noFill/>
+                    </a:lnL>
+                    <a:lnR>
+                      <a:noFill/>
+                    </a:lnR>
+                    <a:lnT>
+                      <a:noFill/>
+                    </a:lnT>
+                    <a:lnB>
+                      <a:noFill/>
+                    </a:lnB>
+                  </a:tcPr>
+                </a:tc>
+                <a:tc>
+                  <a:txBody>
+                    <a:bodyPr/>
+                    <a:lstStyle/>
+                    <a:p>
+                      <a:pPr algn="l" fontAlgn="b"/>
+                      <a:r>
+                        <a:rPr lang="en-US" sz="1000" b="0" i="0" u="none" strike="noStrike">
+                          <a:solidFill>
+                            <a:srgbClr val="000000"/>
+                          </a:solidFill>
+                          <a:effectLst/>
+                          <a:latin typeface="Calibri" panose="020F0502020204030204" pitchFamily="34" charset="0"/>
+                        </a:rPr>
+                        <a:t>Min</a:t>
+                      </a:r>
+                    </a:p>
+                  </a:txBody>
+                  <a:tcPr marL="6877" marR="6877" marT="6877" marB="0" anchor="b">
+                    <a:lnL>
+                      <a:noFill/>
+                    </a:lnL>
+                    <a:lnR>
+                      <a:noFill/>
+                    </a:lnR>
+                    <a:lnT>
+                      <a:noFill/>
+                    </a:lnT>
+                    <a:lnB>
+                      <a:noFill/>
+                    </a:lnB>
+                  </a:tcPr>
+                </a:tc>
+                <a:tc>
+                  <a:txBody>
+                    <a:bodyPr/>
+                    <a:lstStyle/>
+                    <a:p>
+                      <a:pPr algn="l" fontAlgn="b"/>
+                      <a:r>
+                        <a:rPr lang="en-US" sz="1000" b="0" i="0" u="none" strike="noStrike">
+                          <a:solidFill>
+                            <a:srgbClr val="000000"/>
+                          </a:solidFill>
+                          <a:effectLst/>
+                          <a:latin typeface="Calibri" panose="020F0502020204030204" pitchFamily="34" charset="0"/>
+                        </a:rPr>
+                        <a:t>Max</a:t>
+                      </a:r>
+                    </a:p>
+                  </a:txBody>
+                  <a:tcPr marL="6877" marR="6877" marT="6877" marB="0" anchor="b">
+                    <a:lnL>
+                      <a:noFill/>
+                    </a:lnL>
+                    <a:lnR>
+                      <a:noFill/>
+                    </a:lnR>
+                    <a:lnT>
+                      <a:noFill/>
+                    </a:lnT>
+                    <a:lnB>
+                      <a:noFill/>
+                    </a:lnB>
+                  </a:tcPr>
+                </a:tc>
+                <a:extLst>
+                  <a:ext uri="{0D108BD9-81ED-4DB2-BD59-A6C34878D82A}">
+                    <a16:rowId xmlns:a16="http://schemas.microsoft.com/office/drawing/2014/main" val="1467340810"/>
+                  </a:ext>
+                </a:extLst>
+              </a:tr>
+              <a:tr h="165050">
+                <a:tc>
+                  <a:txBody>
+                    <a:bodyPr/>
+                    <a:lstStyle/>
+                    <a:p>
+                      <a:pPr algn="l" fontAlgn="b"/>
+                      <a:r>
+                        <a:rPr lang="en-US" sz="1000" b="0" i="0" u="none" strike="noStrike" dirty="0">
+                          <a:solidFill>
+                            <a:srgbClr val="000000"/>
+                          </a:solidFill>
+                          <a:effectLst/>
+                          <a:latin typeface="Calibri" panose="020F0502020204030204" pitchFamily="34" charset="0"/>
+                        </a:rPr>
+                        <a:t>Infiltration</a:t>
+                      </a:r>
+                    </a:p>
+                  </a:txBody>
+                  <a:tcPr marL="6877" marR="6877" marT="6877" marB="0" anchor="b">
+                    <a:lnL>
+                      <a:noFill/>
+                    </a:lnL>
+                    <a:lnR>
+                      <a:noFill/>
+                    </a:lnR>
+                    <a:lnT>
+                      <a:noFill/>
+                    </a:lnT>
+                    <a:lnB>
+                      <a:noFill/>
+                    </a:lnB>
+                  </a:tcPr>
+                </a:tc>
+                <a:tc>
+                  <a:txBody>
+                    <a:bodyPr/>
+                    <a:lstStyle/>
+                    <a:p>
+                      <a:pPr algn="l" fontAlgn="b"/>
+                      <a:r>
+                        <a:rPr lang="en-US" sz="1000" b="0" i="0" u="none" strike="noStrike">
+                          <a:solidFill>
+                            <a:srgbClr val="000000"/>
+                          </a:solidFill>
+                          <a:effectLst/>
+                          <a:latin typeface="Calibri" panose="020F0502020204030204" pitchFamily="34" charset="0"/>
+                        </a:rPr>
+                        <a:t>FlowPerExteriorArea</a:t>
+                      </a:r>
+                    </a:p>
+                  </a:txBody>
+                  <a:tcPr marL="6877" marR="6877" marT="6877" marB="0" anchor="b">
+                    <a:lnL>
+                      <a:noFill/>
+                    </a:lnL>
+                    <a:lnR>
+                      <a:noFill/>
+                    </a:lnR>
+                    <a:lnT>
+                      <a:noFill/>
+                    </a:lnT>
+                    <a:lnB>
+                      <a:noFill/>
+                    </a:lnB>
+                  </a:tcPr>
+                </a:tc>
+                <a:tc>
+                  <a:txBody>
+                    <a:bodyPr/>
+                    <a:lstStyle/>
+                    <a:p>
+                      <a:pPr algn="l" fontAlgn="b"/>
+                      <a:endParaRPr lang="en-US" sz="1000" b="0" i="0" u="none" strike="noStrike">
+                        <a:solidFill>
+                          <a:srgbClr val="000000"/>
+                        </a:solidFill>
+                        <a:effectLst/>
+                        <a:latin typeface="Calibri" panose="020F0502020204030204" pitchFamily="34" charset="0"/>
+                      </a:endParaRPr>
+                    </a:p>
+                  </a:txBody>
+                  <a:tcPr marL="6877" marR="6877" marT="6877" marB="0" anchor="b">
+                    <a:lnL>
+                      <a:noFill/>
+                    </a:lnL>
+                    <a:lnR>
+                      <a:noFill/>
+                    </a:lnR>
+                    <a:lnT>
+                      <a:noFill/>
+                    </a:lnT>
+                    <a:lnB>
+                      <a:noFill/>
+                    </a:lnB>
+                  </a:tcPr>
+                </a:tc>
+                <a:tc>
+                  <a:txBody>
+                    <a:bodyPr/>
+                    <a:lstStyle/>
+                    <a:p>
+                      <a:pPr algn="l" fontAlgn="b"/>
+                      <a:r>
+                        <a:rPr lang="en-US" sz="1000" b="0" i="0" u="none" strike="noStrike" dirty="0">
+                          <a:solidFill>
+                            <a:srgbClr val="000000"/>
+                          </a:solidFill>
+                          <a:effectLst/>
+                          <a:latin typeface="Calibri" panose="020F0502020204030204" pitchFamily="34" charset="0"/>
+                        </a:rPr>
+                        <a:t>Triangle Absolute</a:t>
+                      </a:r>
+                    </a:p>
+                  </a:txBody>
+                  <a:tcPr marL="6877" marR="6877" marT="6877" marB="0" anchor="b">
+                    <a:lnL>
+                      <a:noFill/>
+                    </a:lnL>
+                    <a:lnR>
+                      <a:noFill/>
+                    </a:lnR>
+                    <a:lnT>
+                      <a:noFill/>
+                    </a:lnT>
+                    <a:lnB>
+                      <a:noFill/>
+                    </a:lnB>
+                  </a:tcPr>
+                </a:tc>
+                <a:tc>
+                  <a:txBody>
+                    <a:bodyPr/>
+                    <a:lstStyle/>
+                    <a:p>
+                      <a:pPr algn="r" fontAlgn="b"/>
+                      <a:r>
+                        <a:rPr lang="en-US" sz="1000" b="0" i="0" u="none" strike="noStrike">
+                          <a:solidFill>
+                            <a:srgbClr val="000000"/>
+                          </a:solidFill>
+                          <a:effectLst/>
+                          <a:latin typeface="Calibri" panose="020F0502020204030204" pitchFamily="34" charset="0"/>
+                        </a:rPr>
+                        <a:t>0.00095</a:t>
+                      </a:r>
+                    </a:p>
+                  </a:txBody>
+                  <a:tcPr marL="6877" marR="6877" marT="6877" marB="0" anchor="b">
+                    <a:lnL>
+                      <a:noFill/>
+                    </a:lnL>
+                    <a:lnR>
+                      <a:noFill/>
+                    </a:lnR>
+                    <a:lnT>
+                      <a:noFill/>
+                    </a:lnT>
+                    <a:lnB>
+                      <a:noFill/>
+                    </a:lnB>
+                  </a:tcPr>
+                </a:tc>
+                <a:tc>
+                  <a:txBody>
+                    <a:bodyPr/>
+                    <a:lstStyle/>
+                    <a:p>
+                      <a:pPr algn="l" fontAlgn="b"/>
+                      <a:endParaRPr lang="en-US" sz="1000" b="0" i="0" u="none" strike="noStrike">
+                        <a:solidFill>
+                          <a:srgbClr val="000000"/>
+                        </a:solidFill>
+                        <a:effectLst/>
+                        <a:latin typeface="Calibri" panose="020F0502020204030204" pitchFamily="34" charset="0"/>
+                      </a:endParaRPr>
+                    </a:p>
+                  </a:txBody>
+                  <a:tcPr marL="6877" marR="6877" marT="6877" marB="0" anchor="b">
+                    <a:lnL>
+                      <a:noFill/>
+                    </a:lnL>
+                    <a:lnR>
+                      <a:noFill/>
+                    </a:lnR>
+                    <a:lnT>
+                      <a:noFill/>
+                    </a:lnT>
+                    <a:lnB>
+                      <a:noFill/>
+                    </a:lnB>
+                  </a:tcPr>
+                </a:tc>
+                <a:tc>
+                  <a:txBody>
+                    <a:bodyPr/>
+                    <a:lstStyle/>
+                    <a:p>
+                      <a:pPr algn="r" fontAlgn="b"/>
+                      <a:r>
+                        <a:rPr lang="en-US" sz="1000" b="0" i="0" u="none" strike="noStrike">
+                          <a:solidFill>
+                            <a:srgbClr val="000000"/>
+                          </a:solidFill>
+                          <a:effectLst/>
+                          <a:latin typeface="Calibri" panose="020F0502020204030204" pitchFamily="34" charset="0"/>
+                        </a:rPr>
+                        <a:t>0.000319</a:t>
+                      </a:r>
+                    </a:p>
+                  </a:txBody>
+                  <a:tcPr marL="6877" marR="6877" marT="6877" marB="0" anchor="b">
+                    <a:lnL>
+                      <a:noFill/>
+                    </a:lnL>
+                    <a:lnR>
+                      <a:noFill/>
+                    </a:lnR>
+                    <a:lnT>
+                      <a:noFill/>
+                    </a:lnT>
+                    <a:lnB>
+                      <a:noFill/>
+                    </a:lnB>
+                  </a:tcPr>
+                </a:tc>
+                <a:tc>
+                  <a:txBody>
+                    <a:bodyPr/>
+                    <a:lstStyle/>
+                    <a:p>
+                      <a:pPr algn="r" fontAlgn="b"/>
+                      <a:r>
+                        <a:rPr lang="en-US" sz="1000" b="0" i="0" u="none" strike="noStrike" dirty="0">
+                          <a:solidFill>
+                            <a:srgbClr val="000000"/>
+                          </a:solidFill>
+                          <a:effectLst/>
+                          <a:latin typeface="Calibri" panose="020F0502020204030204" pitchFamily="34" charset="0"/>
+                        </a:rPr>
+                        <a:t>0.002894</a:t>
+                      </a:r>
+                    </a:p>
+                  </a:txBody>
+                  <a:tcPr marL="6877" marR="6877" marT="6877" marB="0" anchor="b">
+                    <a:lnL>
+                      <a:noFill/>
+                    </a:lnL>
+                    <a:lnR>
+                      <a:noFill/>
+                    </a:lnR>
+                    <a:lnT>
+                      <a:noFill/>
+                    </a:lnT>
+                    <a:lnB>
+                      <a:noFill/>
+                    </a:lnB>
+                  </a:tcPr>
+                </a:tc>
+                <a:extLst>
+                  <a:ext uri="{0D108BD9-81ED-4DB2-BD59-A6C34878D82A}">
+                    <a16:rowId xmlns:a16="http://schemas.microsoft.com/office/drawing/2014/main" val="4218968848"/>
+                  </a:ext>
+                </a:extLst>
+              </a:tr>
+              <a:tr h="165050">
+                <a:tc>
+                  <a:txBody>
+                    <a:bodyPr/>
+                    <a:lstStyle/>
+                    <a:p>
+                      <a:pPr algn="l" fontAlgn="b"/>
+                      <a:r>
+                        <a:rPr lang="en-US" sz="1000" b="0" i="0" u="none" strike="noStrike">
+                          <a:solidFill>
+                            <a:srgbClr val="000000"/>
+                          </a:solidFill>
+                          <a:effectLst/>
+                          <a:latin typeface="Calibri" panose="020F0502020204030204" pitchFamily="34" charset="0"/>
+                        </a:rPr>
+                        <a:t>Lights_WattsPerSpaceFloorArea</a:t>
+                      </a:r>
+                    </a:p>
+                  </a:txBody>
+                  <a:tcPr marL="6877" marR="6877" marT="6877" marB="0" anchor="b">
+                    <a:lnL>
+                      <a:noFill/>
+                    </a:lnL>
+                    <a:lnR>
+                      <a:noFill/>
+                    </a:lnR>
+                    <a:lnT>
+                      <a:noFill/>
+                    </a:lnT>
+                    <a:lnB>
+                      <a:noFill/>
+                    </a:lnB>
+                  </a:tcPr>
+                </a:tc>
+                <a:tc>
+                  <a:txBody>
+                    <a:bodyPr/>
+                    <a:lstStyle/>
+                    <a:p>
+                      <a:pPr algn="l" fontAlgn="b"/>
+                      <a:r>
+                        <a:rPr lang="en-US" sz="1000" b="0" i="0" u="none" strike="noStrike">
+                          <a:solidFill>
+                            <a:srgbClr val="000000"/>
+                          </a:solidFill>
+                          <a:effectLst/>
+                          <a:latin typeface="Calibri" panose="020F0502020204030204" pitchFamily="34" charset="0"/>
+                        </a:rPr>
+                        <a:t>Office_Space_Type</a:t>
+                      </a:r>
+                    </a:p>
+                  </a:txBody>
+                  <a:tcPr marL="6877" marR="6877" marT="6877" marB="0" anchor="b">
+                    <a:lnL>
+                      <a:noFill/>
+                    </a:lnL>
+                    <a:lnR>
+                      <a:noFill/>
+                    </a:lnR>
+                    <a:lnT>
+                      <a:noFill/>
+                    </a:lnT>
+                    <a:lnB>
+                      <a:noFill/>
+                    </a:lnB>
+                  </a:tcPr>
+                </a:tc>
+                <a:tc>
+                  <a:txBody>
+                    <a:bodyPr/>
+                    <a:lstStyle/>
+                    <a:p>
+                      <a:pPr algn="r" fontAlgn="b"/>
+                      <a:r>
+                        <a:rPr lang="en-US" sz="1000" b="0" i="0" u="none" strike="noStrike">
+                          <a:solidFill>
+                            <a:srgbClr val="000000"/>
+                          </a:solidFill>
+                          <a:effectLst/>
+                          <a:latin typeface="Calibri" panose="020F0502020204030204" pitchFamily="34" charset="0"/>
+                        </a:rPr>
+                        <a:t>15.17433543</a:t>
+                      </a:r>
+                    </a:p>
+                  </a:txBody>
+                  <a:tcPr marL="6877" marR="6877" marT="6877" marB="0" anchor="b">
+                    <a:lnL>
+                      <a:noFill/>
+                    </a:lnL>
+                    <a:lnR>
+                      <a:noFill/>
+                    </a:lnR>
+                    <a:lnT>
+                      <a:noFill/>
+                    </a:lnT>
+                    <a:lnB>
+                      <a:noFill/>
+                    </a:lnB>
+                  </a:tcPr>
+                </a:tc>
+                <a:tc>
+                  <a:txBody>
+                    <a:bodyPr/>
+                    <a:lstStyle/>
+                    <a:p>
+                      <a:pPr algn="l" fontAlgn="b"/>
+                      <a:r>
+                        <a:rPr lang="en-US" sz="1000" b="0" i="0" u="none" strike="noStrike">
+                          <a:solidFill>
+                            <a:srgbClr val="000000"/>
+                          </a:solidFill>
+                          <a:effectLst/>
+                          <a:latin typeface="Calibri" panose="020F0502020204030204" pitchFamily="34" charset="0"/>
+                        </a:rPr>
+                        <a:t>Normal Relative</a:t>
+                      </a:r>
+                    </a:p>
+                  </a:txBody>
+                  <a:tcPr marL="6877" marR="6877" marT="6877" marB="0" anchor="b">
+                    <a:lnL>
+                      <a:noFill/>
+                    </a:lnL>
+                    <a:lnR>
+                      <a:noFill/>
+                    </a:lnR>
+                    <a:lnT>
+                      <a:noFill/>
+                    </a:lnT>
+                    <a:lnB>
+                      <a:noFill/>
+                    </a:lnB>
+                  </a:tcPr>
+                </a:tc>
+                <a:tc>
+                  <a:txBody>
+                    <a:bodyPr/>
+                    <a:lstStyle/>
+                    <a:p>
+                      <a:pPr algn="r" fontAlgn="b"/>
+                      <a:r>
+                        <a:rPr lang="en-US" sz="1000" b="0" i="0" u="none" strike="noStrike">
+                          <a:solidFill>
+                            <a:srgbClr val="000000"/>
+                          </a:solidFill>
+                          <a:effectLst/>
+                          <a:latin typeface="Calibri" panose="020F0502020204030204" pitchFamily="34" charset="0"/>
+                        </a:rPr>
+                        <a:t>1</a:t>
+                      </a:r>
+                    </a:p>
+                  </a:txBody>
+                  <a:tcPr marL="6877" marR="6877" marT="6877" marB="0" anchor="b">
+                    <a:lnL>
+                      <a:noFill/>
+                    </a:lnL>
+                    <a:lnR>
+                      <a:noFill/>
+                    </a:lnR>
+                    <a:lnT>
+                      <a:noFill/>
+                    </a:lnT>
+                    <a:lnB>
+                      <a:noFill/>
+                    </a:lnB>
+                  </a:tcPr>
+                </a:tc>
+                <a:tc>
+                  <a:txBody>
+                    <a:bodyPr/>
+                    <a:lstStyle/>
+                    <a:p>
+                      <a:pPr algn="r" fontAlgn="b"/>
+                      <a:r>
+                        <a:rPr lang="en-US" sz="1000" b="0" i="0" u="none" strike="noStrike">
+                          <a:solidFill>
+                            <a:srgbClr val="000000"/>
+                          </a:solidFill>
+                          <a:effectLst/>
+                          <a:latin typeface="Calibri" panose="020F0502020204030204" pitchFamily="34" charset="0"/>
+                        </a:rPr>
+                        <a:t>0.5</a:t>
+                      </a:r>
+                    </a:p>
+                  </a:txBody>
+                  <a:tcPr marL="6877" marR="6877" marT="6877" marB="0" anchor="b">
+                    <a:lnL>
+                      <a:noFill/>
+                    </a:lnL>
+                    <a:lnR>
+                      <a:noFill/>
+                    </a:lnR>
+                    <a:lnT>
+                      <a:noFill/>
+                    </a:lnT>
+                    <a:lnB>
+                      <a:noFill/>
+                    </a:lnB>
+                  </a:tcPr>
+                </a:tc>
+                <a:tc>
+                  <a:txBody>
+                    <a:bodyPr/>
+                    <a:lstStyle/>
+                    <a:p>
+                      <a:pPr algn="r" fontAlgn="b"/>
+                      <a:r>
+                        <a:rPr lang="en-US" sz="1000" b="0" i="0" u="none" strike="noStrike">
+                          <a:solidFill>
+                            <a:srgbClr val="000000"/>
+                          </a:solidFill>
+                          <a:effectLst/>
+                          <a:latin typeface="Calibri" panose="020F0502020204030204" pitchFamily="34" charset="0"/>
+                        </a:rPr>
+                        <a:t>0</a:t>
+                      </a:r>
+                    </a:p>
+                  </a:txBody>
+                  <a:tcPr marL="6877" marR="6877" marT="6877" marB="0" anchor="b">
+                    <a:lnL>
+                      <a:noFill/>
+                    </a:lnL>
+                    <a:lnR>
+                      <a:noFill/>
+                    </a:lnR>
+                    <a:lnT>
+                      <a:noFill/>
+                    </a:lnT>
+                    <a:lnB>
+                      <a:noFill/>
+                    </a:lnB>
+                  </a:tcPr>
+                </a:tc>
+                <a:tc>
+                  <a:txBody>
+                    <a:bodyPr/>
+                    <a:lstStyle/>
+                    <a:p>
+                      <a:pPr algn="r" fontAlgn="b"/>
+                      <a:r>
+                        <a:rPr lang="en-US" sz="1000" b="0" i="0" u="none" strike="noStrike">
+                          <a:solidFill>
+                            <a:srgbClr val="000000"/>
+                          </a:solidFill>
+                          <a:effectLst/>
+                          <a:latin typeface="Calibri" panose="020F0502020204030204" pitchFamily="34" charset="0"/>
+                        </a:rPr>
+                        <a:t>50</a:t>
+                      </a:r>
+                    </a:p>
+                  </a:txBody>
+                  <a:tcPr marL="6877" marR="6877" marT="6877" marB="0" anchor="b">
+                    <a:lnL>
+                      <a:noFill/>
+                    </a:lnL>
+                    <a:lnR>
+                      <a:noFill/>
+                    </a:lnR>
+                    <a:lnT>
+                      <a:noFill/>
+                    </a:lnT>
+                    <a:lnB>
+                      <a:noFill/>
+                    </a:lnB>
+                  </a:tcPr>
+                </a:tc>
+                <a:extLst>
+                  <a:ext uri="{0D108BD9-81ED-4DB2-BD59-A6C34878D82A}">
+                    <a16:rowId xmlns:a16="http://schemas.microsoft.com/office/drawing/2014/main" val="3336877815"/>
+                  </a:ext>
+                </a:extLst>
+              </a:tr>
+              <a:tr h="165050">
+                <a:tc>
+                  <a:txBody>
+                    <a:bodyPr/>
+                    <a:lstStyle/>
+                    <a:p>
+                      <a:pPr algn="l" fontAlgn="b"/>
+                      <a:r>
+                        <a:rPr lang="en-US" sz="1000" b="0" i="0" u="none" strike="noStrike" dirty="0" err="1">
+                          <a:solidFill>
+                            <a:srgbClr val="000000"/>
+                          </a:solidFill>
+                          <a:effectLst/>
+                          <a:latin typeface="Calibri" panose="020F0502020204030204" pitchFamily="34" charset="0"/>
+                        </a:rPr>
+                        <a:t>PlugLoad_WattsPerSpaceFloorArea</a:t>
+                      </a:r>
+                      <a:endParaRPr lang="en-US" sz="1000" b="0" i="0" u="none" strike="noStrike" dirty="0">
+                        <a:solidFill>
+                          <a:srgbClr val="000000"/>
+                        </a:solidFill>
+                        <a:effectLst/>
+                        <a:latin typeface="Calibri" panose="020F0502020204030204" pitchFamily="34" charset="0"/>
+                      </a:endParaRPr>
+                    </a:p>
+                  </a:txBody>
+                  <a:tcPr marL="6877" marR="6877" marT="6877" marB="0" anchor="b">
+                    <a:lnL>
+                      <a:noFill/>
+                    </a:lnL>
+                    <a:lnR>
+                      <a:noFill/>
+                    </a:lnR>
+                    <a:lnT>
+                      <a:noFill/>
+                    </a:lnT>
+                    <a:lnB>
+                      <a:noFill/>
+                    </a:lnB>
+                  </a:tcPr>
+                </a:tc>
+                <a:tc>
+                  <a:txBody>
+                    <a:bodyPr/>
+                    <a:lstStyle/>
+                    <a:p>
+                      <a:pPr algn="l" fontAlgn="b"/>
+                      <a:r>
+                        <a:rPr lang="en-US" sz="1000" b="0" i="0" u="none" strike="noStrike">
+                          <a:solidFill>
+                            <a:srgbClr val="000000"/>
+                          </a:solidFill>
+                          <a:effectLst/>
+                          <a:latin typeface="Calibri" panose="020F0502020204030204" pitchFamily="34" charset="0"/>
+                        </a:rPr>
+                        <a:t>Office_Space_Type</a:t>
+                      </a:r>
+                    </a:p>
+                  </a:txBody>
+                  <a:tcPr marL="6877" marR="6877" marT="6877" marB="0" anchor="b">
+                    <a:lnL>
+                      <a:noFill/>
+                    </a:lnL>
+                    <a:lnR>
+                      <a:noFill/>
+                    </a:lnR>
+                    <a:lnT>
+                      <a:noFill/>
+                    </a:lnT>
+                    <a:lnB>
+                      <a:noFill/>
+                    </a:lnB>
+                  </a:tcPr>
+                </a:tc>
+                <a:tc>
+                  <a:txBody>
+                    <a:bodyPr/>
+                    <a:lstStyle/>
+                    <a:p>
+                      <a:pPr algn="r" fontAlgn="b"/>
+                      <a:r>
+                        <a:rPr lang="en-US" sz="1000" b="0" i="0" u="none" strike="noStrike">
+                          <a:solidFill>
+                            <a:srgbClr val="000000"/>
+                          </a:solidFill>
+                          <a:effectLst/>
+                          <a:latin typeface="Calibri" panose="020F0502020204030204" pitchFamily="34" charset="0"/>
+                        </a:rPr>
+                        <a:t>8.072932813</a:t>
+                      </a:r>
+                    </a:p>
+                  </a:txBody>
+                  <a:tcPr marL="6877" marR="6877" marT="6877" marB="0" anchor="b">
+                    <a:lnL>
+                      <a:noFill/>
+                    </a:lnL>
+                    <a:lnR>
+                      <a:noFill/>
+                    </a:lnR>
+                    <a:lnT>
+                      <a:noFill/>
+                    </a:lnT>
+                    <a:lnB>
+                      <a:noFill/>
+                    </a:lnB>
+                  </a:tcPr>
+                </a:tc>
+                <a:tc>
+                  <a:txBody>
+                    <a:bodyPr/>
+                    <a:lstStyle/>
+                    <a:p>
+                      <a:pPr algn="l" fontAlgn="b"/>
+                      <a:r>
+                        <a:rPr lang="en-US" sz="1000" b="0" i="0" u="none" strike="noStrike">
+                          <a:solidFill>
+                            <a:srgbClr val="000000"/>
+                          </a:solidFill>
+                          <a:effectLst/>
+                          <a:latin typeface="Calibri" panose="020F0502020204030204" pitchFamily="34" charset="0"/>
+                        </a:rPr>
+                        <a:t>Normal Relative</a:t>
+                      </a:r>
+                    </a:p>
+                  </a:txBody>
+                  <a:tcPr marL="6877" marR="6877" marT="6877" marB="0" anchor="b">
+                    <a:lnL>
+                      <a:noFill/>
+                    </a:lnL>
+                    <a:lnR>
+                      <a:noFill/>
+                    </a:lnR>
+                    <a:lnT>
+                      <a:noFill/>
+                    </a:lnT>
+                    <a:lnB>
+                      <a:noFill/>
+                    </a:lnB>
+                  </a:tcPr>
+                </a:tc>
+                <a:tc>
+                  <a:txBody>
+                    <a:bodyPr/>
+                    <a:lstStyle/>
+                    <a:p>
+                      <a:pPr algn="r" fontAlgn="b"/>
+                      <a:r>
+                        <a:rPr lang="en-US" sz="1000" b="0" i="0" u="none" strike="noStrike">
+                          <a:solidFill>
+                            <a:srgbClr val="000000"/>
+                          </a:solidFill>
+                          <a:effectLst/>
+                          <a:latin typeface="Calibri" panose="020F0502020204030204" pitchFamily="34" charset="0"/>
+                        </a:rPr>
+                        <a:t>1</a:t>
+                      </a:r>
+                    </a:p>
+                  </a:txBody>
+                  <a:tcPr marL="6877" marR="6877" marT="6877" marB="0" anchor="b">
+                    <a:lnL>
+                      <a:noFill/>
+                    </a:lnL>
+                    <a:lnR>
+                      <a:noFill/>
+                    </a:lnR>
+                    <a:lnT>
+                      <a:noFill/>
+                    </a:lnT>
+                    <a:lnB>
+                      <a:noFill/>
+                    </a:lnB>
+                  </a:tcPr>
+                </a:tc>
+                <a:tc>
+                  <a:txBody>
+                    <a:bodyPr/>
+                    <a:lstStyle/>
+                    <a:p>
+                      <a:pPr algn="r" fontAlgn="b"/>
+                      <a:r>
+                        <a:rPr lang="en-US" sz="1000" b="0" i="0" u="none" strike="noStrike">
+                          <a:solidFill>
+                            <a:srgbClr val="000000"/>
+                          </a:solidFill>
+                          <a:effectLst/>
+                          <a:latin typeface="Calibri" panose="020F0502020204030204" pitchFamily="34" charset="0"/>
+                        </a:rPr>
+                        <a:t>0.5</a:t>
+                      </a:r>
+                    </a:p>
+                  </a:txBody>
+                  <a:tcPr marL="6877" marR="6877" marT="6877" marB="0" anchor="b">
+                    <a:lnL>
+                      <a:noFill/>
+                    </a:lnL>
+                    <a:lnR>
+                      <a:noFill/>
+                    </a:lnR>
+                    <a:lnT>
+                      <a:noFill/>
+                    </a:lnT>
+                    <a:lnB>
+                      <a:noFill/>
+                    </a:lnB>
+                  </a:tcPr>
+                </a:tc>
+                <a:tc>
+                  <a:txBody>
+                    <a:bodyPr/>
+                    <a:lstStyle/>
+                    <a:p>
+                      <a:pPr algn="r" fontAlgn="b"/>
+                      <a:r>
+                        <a:rPr lang="en-US" sz="1000" b="0" i="0" u="none" strike="noStrike">
+                          <a:solidFill>
+                            <a:srgbClr val="000000"/>
+                          </a:solidFill>
+                          <a:effectLst/>
+                          <a:latin typeface="Calibri" panose="020F0502020204030204" pitchFamily="34" charset="0"/>
+                        </a:rPr>
+                        <a:t>0</a:t>
+                      </a:r>
+                    </a:p>
+                  </a:txBody>
+                  <a:tcPr marL="6877" marR="6877" marT="6877" marB="0" anchor="b">
+                    <a:lnL>
+                      <a:noFill/>
+                    </a:lnL>
+                    <a:lnR>
+                      <a:noFill/>
+                    </a:lnR>
+                    <a:lnT>
+                      <a:noFill/>
+                    </a:lnT>
+                    <a:lnB>
+                      <a:noFill/>
+                    </a:lnB>
+                  </a:tcPr>
+                </a:tc>
+                <a:tc>
+                  <a:txBody>
+                    <a:bodyPr/>
+                    <a:lstStyle/>
+                    <a:p>
+                      <a:pPr algn="r" fontAlgn="b"/>
+                      <a:r>
+                        <a:rPr lang="en-US" sz="1000" b="0" i="0" u="none" strike="noStrike">
+                          <a:solidFill>
+                            <a:srgbClr val="000000"/>
+                          </a:solidFill>
+                          <a:effectLst/>
+                          <a:latin typeface="Calibri" panose="020F0502020204030204" pitchFamily="34" charset="0"/>
+                        </a:rPr>
+                        <a:t>50</a:t>
+                      </a:r>
+                    </a:p>
+                  </a:txBody>
+                  <a:tcPr marL="6877" marR="6877" marT="6877" marB="0" anchor="b">
+                    <a:lnL>
+                      <a:noFill/>
+                    </a:lnL>
+                    <a:lnR>
+                      <a:noFill/>
+                    </a:lnR>
+                    <a:lnT>
+                      <a:noFill/>
+                    </a:lnT>
+                    <a:lnB>
+                      <a:noFill/>
+                    </a:lnB>
+                  </a:tcPr>
+                </a:tc>
+                <a:extLst>
+                  <a:ext uri="{0D108BD9-81ED-4DB2-BD59-A6C34878D82A}">
+                    <a16:rowId xmlns:a16="http://schemas.microsoft.com/office/drawing/2014/main" val="2243944014"/>
+                  </a:ext>
+                </a:extLst>
+              </a:tr>
+              <a:tr h="165050">
+                <a:tc>
+                  <a:txBody>
+                    <a:bodyPr/>
+                    <a:lstStyle/>
+                    <a:p>
+                      <a:pPr algn="l" fontAlgn="b"/>
+                      <a:r>
+                        <a:rPr lang="en-US" sz="1000" b="0" i="0" u="none" strike="noStrike">
+                          <a:solidFill>
+                            <a:srgbClr val="000000"/>
+                          </a:solidFill>
+                          <a:effectLst/>
+                          <a:latin typeface="Calibri" panose="020F0502020204030204" pitchFamily="34" charset="0"/>
+                        </a:rPr>
+                        <a:t>People_SpaceFloorAreaPerPerson</a:t>
+                      </a:r>
+                    </a:p>
+                  </a:txBody>
+                  <a:tcPr marL="6877" marR="6877" marT="6877" marB="0" anchor="b">
+                    <a:lnL>
+                      <a:noFill/>
+                    </a:lnL>
+                    <a:lnR>
+                      <a:noFill/>
+                    </a:lnR>
+                    <a:lnT>
+                      <a:noFill/>
+                    </a:lnT>
+                    <a:lnB>
+                      <a:noFill/>
+                    </a:lnB>
+                  </a:tcPr>
+                </a:tc>
+                <a:tc>
+                  <a:txBody>
+                    <a:bodyPr/>
+                    <a:lstStyle/>
+                    <a:p>
+                      <a:pPr algn="l" fontAlgn="b"/>
+                      <a:r>
+                        <a:rPr lang="en-US" sz="1000" b="0" i="0" u="none" strike="noStrike">
+                          <a:solidFill>
+                            <a:srgbClr val="000000"/>
+                          </a:solidFill>
+                          <a:effectLst/>
+                          <a:latin typeface="Calibri" panose="020F0502020204030204" pitchFamily="34" charset="0"/>
+                        </a:rPr>
+                        <a:t>Office_Space_Type</a:t>
+                      </a:r>
+                    </a:p>
+                  </a:txBody>
+                  <a:tcPr marL="6877" marR="6877" marT="6877" marB="0" anchor="b">
+                    <a:lnL>
+                      <a:noFill/>
+                    </a:lnL>
+                    <a:lnR>
+                      <a:noFill/>
+                    </a:lnR>
+                    <a:lnT>
+                      <a:noFill/>
+                    </a:lnT>
+                    <a:lnB>
+                      <a:noFill/>
+                    </a:lnB>
+                  </a:tcPr>
+                </a:tc>
+                <a:tc>
+                  <a:txBody>
+                    <a:bodyPr/>
+                    <a:lstStyle/>
+                    <a:p>
+                      <a:pPr algn="r" fontAlgn="b"/>
+                      <a:r>
+                        <a:rPr lang="en-US" sz="1000" b="0" i="0" u="none" strike="noStrike">
+                          <a:solidFill>
+                            <a:srgbClr val="000000"/>
+                          </a:solidFill>
+                          <a:effectLst/>
+                          <a:latin typeface="Calibri" panose="020F0502020204030204" pitchFamily="34" charset="0"/>
+                        </a:rPr>
+                        <a:t>18.58060872</a:t>
+                      </a:r>
+                    </a:p>
+                  </a:txBody>
+                  <a:tcPr marL="6877" marR="6877" marT="6877" marB="0" anchor="b">
+                    <a:lnL>
+                      <a:noFill/>
+                    </a:lnL>
+                    <a:lnR>
+                      <a:noFill/>
+                    </a:lnR>
+                    <a:lnT>
+                      <a:noFill/>
+                    </a:lnT>
+                    <a:lnB>
+                      <a:noFill/>
+                    </a:lnB>
+                  </a:tcPr>
+                </a:tc>
+                <a:tc>
+                  <a:txBody>
+                    <a:bodyPr/>
+                    <a:lstStyle/>
+                    <a:p>
+                      <a:pPr algn="l" fontAlgn="b"/>
+                      <a:r>
+                        <a:rPr lang="en-US" sz="1000" b="0" i="0" u="none" strike="noStrike">
+                          <a:solidFill>
+                            <a:srgbClr val="000000"/>
+                          </a:solidFill>
+                          <a:effectLst/>
+                          <a:latin typeface="Calibri" panose="020F0502020204030204" pitchFamily="34" charset="0"/>
+                        </a:rPr>
+                        <a:t>Normal Relative</a:t>
+                      </a:r>
+                    </a:p>
+                  </a:txBody>
+                  <a:tcPr marL="6877" marR="6877" marT="6877" marB="0" anchor="b">
+                    <a:lnL>
+                      <a:noFill/>
+                    </a:lnL>
+                    <a:lnR>
+                      <a:noFill/>
+                    </a:lnR>
+                    <a:lnT>
+                      <a:noFill/>
+                    </a:lnT>
+                    <a:lnB>
+                      <a:noFill/>
+                    </a:lnB>
+                  </a:tcPr>
+                </a:tc>
+                <a:tc>
+                  <a:txBody>
+                    <a:bodyPr/>
+                    <a:lstStyle/>
+                    <a:p>
+                      <a:pPr algn="r" fontAlgn="b"/>
+                      <a:r>
+                        <a:rPr lang="en-US" sz="1000" b="0" i="0" u="none" strike="noStrike">
+                          <a:solidFill>
+                            <a:srgbClr val="000000"/>
+                          </a:solidFill>
+                          <a:effectLst/>
+                          <a:latin typeface="Calibri" panose="020F0502020204030204" pitchFamily="34" charset="0"/>
+                        </a:rPr>
+                        <a:t>1</a:t>
+                      </a:r>
+                    </a:p>
+                  </a:txBody>
+                  <a:tcPr marL="6877" marR="6877" marT="6877" marB="0" anchor="b">
+                    <a:lnL>
+                      <a:noFill/>
+                    </a:lnL>
+                    <a:lnR>
+                      <a:noFill/>
+                    </a:lnR>
+                    <a:lnT>
+                      <a:noFill/>
+                    </a:lnT>
+                    <a:lnB>
+                      <a:noFill/>
+                    </a:lnB>
+                  </a:tcPr>
+                </a:tc>
+                <a:tc>
+                  <a:txBody>
+                    <a:bodyPr/>
+                    <a:lstStyle/>
+                    <a:p>
+                      <a:pPr algn="r" fontAlgn="b"/>
+                      <a:r>
+                        <a:rPr lang="en-US" sz="1000" b="0" i="0" u="none" strike="noStrike">
+                          <a:solidFill>
+                            <a:srgbClr val="000000"/>
+                          </a:solidFill>
+                          <a:effectLst/>
+                          <a:latin typeface="Calibri" panose="020F0502020204030204" pitchFamily="34" charset="0"/>
+                        </a:rPr>
+                        <a:t>0.5</a:t>
+                      </a:r>
+                    </a:p>
+                  </a:txBody>
+                  <a:tcPr marL="6877" marR="6877" marT="6877" marB="0" anchor="b">
+                    <a:lnL>
+                      <a:noFill/>
+                    </a:lnL>
+                    <a:lnR>
+                      <a:noFill/>
+                    </a:lnR>
+                    <a:lnT>
+                      <a:noFill/>
+                    </a:lnT>
+                    <a:lnB>
+                      <a:noFill/>
+                    </a:lnB>
+                  </a:tcPr>
+                </a:tc>
+                <a:tc>
+                  <a:txBody>
+                    <a:bodyPr/>
+                    <a:lstStyle/>
+                    <a:p>
+                      <a:pPr algn="r" fontAlgn="b"/>
+                      <a:r>
+                        <a:rPr lang="en-US" sz="1000" b="0" i="0" u="none" strike="noStrike">
+                          <a:solidFill>
+                            <a:srgbClr val="000000"/>
+                          </a:solidFill>
+                          <a:effectLst/>
+                          <a:latin typeface="Calibri" panose="020F0502020204030204" pitchFamily="34" charset="0"/>
+                        </a:rPr>
+                        <a:t>0</a:t>
+                      </a:r>
+                    </a:p>
+                  </a:txBody>
+                  <a:tcPr marL="6877" marR="6877" marT="6877" marB="0" anchor="b">
+                    <a:lnL>
+                      <a:noFill/>
+                    </a:lnL>
+                    <a:lnR>
+                      <a:noFill/>
+                    </a:lnR>
+                    <a:lnT>
+                      <a:noFill/>
+                    </a:lnT>
+                    <a:lnB>
+                      <a:noFill/>
+                    </a:lnB>
+                  </a:tcPr>
+                </a:tc>
+                <a:tc>
+                  <a:txBody>
+                    <a:bodyPr/>
+                    <a:lstStyle/>
+                    <a:p>
+                      <a:pPr algn="r" fontAlgn="b"/>
+                      <a:r>
+                        <a:rPr lang="en-US" sz="1000" b="0" i="0" u="none" strike="noStrike">
+                          <a:solidFill>
+                            <a:srgbClr val="000000"/>
+                          </a:solidFill>
+                          <a:effectLst/>
+                          <a:latin typeface="Calibri" panose="020F0502020204030204" pitchFamily="34" charset="0"/>
+                        </a:rPr>
+                        <a:t>30</a:t>
+                      </a:r>
+                    </a:p>
+                  </a:txBody>
+                  <a:tcPr marL="6877" marR="6877" marT="6877" marB="0" anchor="b">
+                    <a:lnL>
+                      <a:noFill/>
+                    </a:lnL>
+                    <a:lnR>
+                      <a:noFill/>
+                    </a:lnR>
+                    <a:lnT>
+                      <a:noFill/>
+                    </a:lnT>
+                    <a:lnB>
+                      <a:noFill/>
+                    </a:lnB>
+                  </a:tcPr>
+                </a:tc>
+                <a:extLst>
+                  <a:ext uri="{0D108BD9-81ED-4DB2-BD59-A6C34878D82A}">
+                    <a16:rowId xmlns:a16="http://schemas.microsoft.com/office/drawing/2014/main" val="3469428031"/>
+                  </a:ext>
+                </a:extLst>
+              </a:tr>
+              <a:tr h="165050">
+                <a:tc>
+                  <a:txBody>
+                    <a:bodyPr/>
+                    <a:lstStyle/>
+                    <a:p>
+                      <a:pPr algn="l" fontAlgn="b"/>
+                      <a:r>
+                        <a:rPr lang="en-US" sz="1000" b="0" i="0" u="none" strike="noStrike">
+                          <a:solidFill>
+                            <a:srgbClr val="000000"/>
+                          </a:solidFill>
+                          <a:effectLst/>
+                          <a:latin typeface="Calibri" panose="020F0502020204030204" pitchFamily="34" charset="0"/>
+                        </a:rPr>
+                        <a:t>DesignSpecificOutdoorAirFlowPerZoneFloorArea</a:t>
+                      </a:r>
+                    </a:p>
+                  </a:txBody>
+                  <a:tcPr marL="6877" marR="6877" marT="6877" marB="0" anchor="b">
+                    <a:lnL>
+                      <a:noFill/>
+                    </a:lnL>
+                    <a:lnR>
+                      <a:noFill/>
+                    </a:lnR>
+                    <a:lnT>
+                      <a:noFill/>
+                    </a:lnT>
+                    <a:lnB>
+                      <a:noFill/>
+                    </a:lnB>
+                  </a:tcPr>
+                </a:tc>
+                <a:tc>
+                  <a:txBody>
+                    <a:bodyPr/>
+                    <a:lstStyle/>
+                    <a:p>
+                      <a:pPr algn="l" fontAlgn="b"/>
+                      <a:r>
+                        <a:rPr lang="en-US" sz="1000" b="0" i="0" u="none" strike="noStrike">
+                          <a:solidFill>
+                            <a:srgbClr val="000000"/>
+                          </a:solidFill>
+                          <a:effectLst/>
+                          <a:latin typeface="Calibri" panose="020F0502020204030204" pitchFamily="34" charset="0"/>
+                        </a:rPr>
+                        <a:t>Office_Outdoor_Air</a:t>
+                      </a:r>
+                    </a:p>
+                  </a:txBody>
+                  <a:tcPr marL="6877" marR="6877" marT="6877" marB="0" anchor="b">
+                    <a:lnL>
+                      <a:noFill/>
+                    </a:lnL>
+                    <a:lnR>
+                      <a:noFill/>
+                    </a:lnR>
+                    <a:lnT>
+                      <a:noFill/>
+                    </a:lnT>
+                    <a:lnB>
+                      <a:noFill/>
+                    </a:lnB>
+                  </a:tcPr>
+                </a:tc>
+                <a:tc>
+                  <a:txBody>
+                    <a:bodyPr/>
+                    <a:lstStyle/>
+                    <a:p>
+                      <a:pPr algn="r" fontAlgn="b"/>
+                      <a:r>
+                        <a:rPr lang="en-US" sz="1000" b="0" i="0" u="none" strike="noStrike">
+                          <a:solidFill>
+                            <a:srgbClr val="000000"/>
+                          </a:solidFill>
+                          <a:effectLst/>
+                          <a:latin typeface="Calibri" panose="020F0502020204030204" pitchFamily="34" charset="0"/>
+                        </a:rPr>
+                        <a:t>0.0004318</a:t>
+                      </a:r>
+                    </a:p>
+                  </a:txBody>
+                  <a:tcPr marL="6877" marR="6877" marT="6877" marB="0" anchor="b">
+                    <a:lnL>
+                      <a:noFill/>
+                    </a:lnL>
+                    <a:lnR>
+                      <a:noFill/>
+                    </a:lnR>
+                    <a:lnT>
+                      <a:noFill/>
+                    </a:lnT>
+                    <a:lnB>
+                      <a:noFill/>
+                    </a:lnB>
+                  </a:tcPr>
+                </a:tc>
+                <a:tc>
+                  <a:txBody>
+                    <a:bodyPr/>
+                    <a:lstStyle/>
+                    <a:p>
+                      <a:pPr algn="l" fontAlgn="b"/>
+                      <a:r>
+                        <a:rPr lang="en-US" sz="1000" b="0" i="0" u="none" strike="noStrike">
+                          <a:solidFill>
+                            <a:srgbClr val="000000"/>
+                          </a:solidFill>
+                          <a:effectLst/>
+                          <a:latin typeface="Calibri" panose="020F0502020204030204" pitchFamily="34" charset="0"/>
+                        </a:rPr>
+                        <a:t>Normal Relative</a:t>
+                      </a:r>
+                    </a:p>
+                  </a:txBody>
+                  <a:tcPr marL="6877" marR="6877" marT="6877" marB="0" anchor="b">
+                    <a:lnL>
+                      <a:noFill/>
+                    </a:lnL>
+                    <a:lnR>
+                      <a:noFill/>
+                    </a:lnR>
+                    <a:lnT>
+                      <a:noFill/>
+                    </a:lnT>
+                    <a:lnB>
+                      <a:noFill/>
+                    </a:lnB>
+                  </a:tcPr>
+                </a:tc>
+                <a:tc>
+                  <a:txBody>
+                    <a:bodyPr/>
+                    <a:lstStyle/>
+                    <a:p>
+                      <a:pPr algn="r" fontAlgn="b"/>
+                      <a:r>
+                        <a:rPr lang="en-US" sz="1000" b="0" i="0" u="none" strike="noStrike">
+                          <a:solidFill>
+                            <a:srgbClr val="000000"/>
+                          </a:solidFill>
+                          <a:effectLst/>
+                          <a:latin typeface="Calibri" panose="020F0502020204030204" pitchFamily="34" charset="0"/>
+                        </a:rPr>
+                        <a:t>1</a:t>
+                      </a:r>
+                    </a:p>
+                  </a:txBody>
+                  <a:tcPr marL="6877" marR="6877" marT="6877" marB="0" anchor="b">
+                    <a:lnL>
+                      <a:noFill/>
+                    </a:lnL>
+                    <a:lnR>
+                      <a:noFill/>
+                    </a:lnR>
+                    <a:lnT>
+                      <a:noFill/>
+                    </a:lnT>
+                    <a:lnB>
+                      <a:noFill/>
+                    </a:lnB>
+                  </a:tcPr>
+                </a:tc>
+                <a:tc>
+                  <a:txBody>
+                    <a:bodyPr/>
+                    <a:lstStyle/>
+                    <a:p>
+                      <a:pPr algn="r" fontAlgn="b"/>
+                      <a:r>
+                        <a:rPr lang="en-US" sz="1000" b="0" i="0" u="none" strike="noStrike">
+                          <a:solidFill>
+                            <a:srgbClr val="000000"/>
+                          </a:solidFill>
+                          <a:effectLst/>
+                          <a:latin typeface="Calibri" panose="020F0502020204030204" pitchFamily="34" charset="0"/>
+                        </a:rPr>
+                        <a:t>0.01</a:t>
+                      </a:r>
+                    </a:p>
+                  </a:txBody>
+                  <a:tcPr marL="6877" marR="6877" marT="6877" marB="0" anchor="b">
+                    <a:lnL>
+                      <a:noFill/>
+                    </a:lnL>
+                    <a:lnR>
+                      <a:noFill/>
+                    </a:lnR>
+                    <a:lnT>
+                      <a:noFill/>
+                    </a:lnT>
+                    <a:lnB>
+                      <a:noFill/>
+                    </a:lnB>
+                  </a:tcPr>
+                </a:tc>
+                <a:tc>
+                  <a:txBody>
+                    <a:bodyPr/>
+                    <a:lstStyle/>
+                    <a:p>
+                      <a:pPr algn="r" fontAlgn="b"/>
+                      <a:r>
+                        <a:rPr lang="en-US" sz="1000" b="0" i="0" u="none" strike="noStrike">
+                          <a:solidFill>
+                            <a:srgbClr val="000000"/>
+                          </a:solidFill>
+                          <a:effectLst/>
+                          <a:latin typeface="Calibri" panose="020F0502020204030204" pitchFamily="34" charset="0"/>
+                        </a:rPr>
+                        <a:t>0</a:t>
+                      </a:r>
+                    </a:p>
+                  </a:txBody>
+                  <a:tcPr marL="6877" marR="6877" marT="6877" marB="0" anchor="b">
+                    <a:lnL>
+                      <a:noFill/>
+                    </a:lnL>
+                    <a:lnR>
+                      <a:noFill/>
+                    </a:lnR>
+                    <a:lnT>
+                      <a:noFill/>
+                    </a:lnT>
+                    <a:lnB>
+                      <a:noFill/>
+                    </a:lnB>
+                  </a:tcPr>
+                </a:tc>
+                <a:tc>
+                  <a:txBody>
+                    <a:bodyPr/>
+                    <a:lstStyle/>
+                    <a:p>
+                      <a:pPr algn="r" fontAlgn="b"/>
+                      <a:r>
+                        <a:rPr lang="en-US" sz="1000" b="0" i="0" u="none" strike="noStrike" dirty="0">
+                          <a:solidFill>
+                            <a:srgbClr val="000000"/>
+                          </a:solidFill>
+                          <a:effectLst/>
+                          <a:latin typeface="Calibri" panose="020F0502020204030204" pitchFamily="34" charset="0"/>
+                        </a:rPr>
+                        <a:t>NA</a:t>
+                      </a:r>
+                    </a:p>
+                  </a:txBody>
+                  <a:tcPr marL="6877" marR="6877" marT="6877" marB="0" anchor="b">
+                    <a:lnL>
+                      <a:noFill/>
+                    </a:lnL>
+                    <a:lnR>
+                      <a:noFill/>
+                    </a:lnR>
+                    <a:lnT>
+                      <a:noFill/>
+                    </a:lnT>
+                    <a:lnB>
+                      <a:noFill/>
+                    </a:lnB>
+                  </a:tcPr>
+                </a:tc>
+                <a:extLst>
+                  <a:ext uri="{0D108BD9-81ED-4DB2-BD59-A6C34878D82A}">
+                    <a16:rowId xmlns:a16="http://schemas.microsoft.com/office/drawing/2014/main" val="2294512254"/>
+                  </a:ext>
+                </a:extLst>
+              </a:tr>
+            </a:tbl>
+          </a:graphicData>
+        </a:graphic>
+      </p:graphicFrame>
       <p:sp>
         <p:nvSpPr>
           <p:cNvPr id="2" name="Title 1"/>
@@ -17695,7 +19398,7 @@
                   <a:srgbClr val="C00000"/>
                 </a:solidFill>
               </a:rPr>
-              <a:t>Prior.csv </a:t>
+              <a:t>Parameter_Priors.csv </a:t>
             </a:r>
             <a:r>
               <a:rPr lang="en-US" sz="1400" dirty="0">
@@ -17801,8 +19504,8 @@
         </p:nvSpPr>
         <p:spPr bwMode="auto">
           <a:xfrm>
-            <a:off x="4953000" y="3585129"/>
-            <a:ext cx="990600" cy="758271"/>
+            <a:off x="4953000" y="3505201"/>
+            <a:ext cx="990600" cy="838200"/>
           </a:xfrm>
           <a:prstGeom prst="rect">
             <a:avLst/>
@@ -17868,8 +19571,8 @@
         </p:nvCxnSpPr>
         <p:spPr bwMode="auto">
           <a:xfrm flipV="1">
-            <a:off x="5448300" y="4343400"/>
-            <a:ext cx="0" cy="856612"/>
+            <a:off x="5448300" y="4343401"/>
+            <a:ext cx="0" cy="856611"/>
           </a:xfrm>
           <a:prstGeom prst="straightConnector1">
             <a:avLst/>
@@ -17897,8 +19600,8 @@
         </p:nvSpPr>
         <p:spPr bwMode="auto">
           <a:xfrm>
-            <a:off x="6019800" y="3581400"/>
-            <a:ext cx="2514597" cy="762000"/>
+            <a:off x="6019800" y="3505200"/>
+            <a:ext cx="2514597" cy="838200"/>
           </a:xfrm>
           <a:prstGeom prst="rect">
             <a:avLst/>
@@ -17961,7 +19664,7 @@
         <p:spPr>
           <a:xfrm>
             <a:off x="5777329" y="5803901"/>
-            <a:ext cx="2999539" cy="307777"/>
+            <a:ext cx="3078087" cy="523220"/>
           </a:xfrm>
           <a:prstGeom prst="rect">
             <a:avLst/>
@@ -17988,6 +19691,21 @@
                 </a:solidFill>
               </a:rPr>
               <a:t>prior distribution parameters</a:t>
+            </a:r>
+            <a:br>
+              <a:rPr lang="en-US" sz="1400" dirty="0">
+                <a:solidFill>
+                  <a:srgbClr val="000000"/>
+                </a:solidFill>
+              </a:rPr>
+            </a:br>
+            <a:r>
+              <a:rPr lang="en-US" sz="1400" dirty="0">
+                <a:solidFill>
+                  <a:srgbClr val="000000"/>
+                </a:solidFill>
+              </a:rPr>
+              <a:t>(including appropriate value bounds)</a:t>
             </a:r>
           </a:p>
         </p:txBody>
@@ -18003,9 +19721,9 @@
           <p:nvPr/>
         </p:nvCxnSpPr>
         <p:spPr bwMode="auto">
-          <a:xfrm flipV="1">
+          <a:xfrm flipH="1" flipV="1">
             <a:off x="7277099" y="4343400"/>
-            <a:ext cx="0" cy="1460501"/>
+            <a:ext cx="39274" cy="1460501"/>
           </a:xfrm>
           <a:prstGeom prst="straightConnector1">
             <a:avLst/>
@@ -18025,1452 +19743,6 @@
           <a:effectLst/>
         </p:spPr>
       </p:cxnSp>
-      <p:graphicFrame>
-        <p:nvGraphicFramePr>
-          <p:cNvPr id="3" name="Table 2">
-            <a:extLst>
-              <a:ext uri="{FF2B5EF4-FFF2-40B4-BE49-F238E27FC236}">
-                <a16:creationId xmlns:a16="http://schemas.microsoft.com/office/drawing/2014/main" id="{294C2F34-C816-461A-8AAE-7026608BC703}"/>
-              </a:ext>
-            </a:extLst>
-          </p:cNvPr>
-          <p:cNvGraphicFramePr>
-            <a:graphicFrameLocks noGrp="1"/>
-          </p:cNvGraphicFramePr>
-          <p:nvPr>
-            <p:extLst>
-              <p:ext uri="{D42A27DB-BD31-4B8C-83A1-F6EECF244321}">
-                <p14:modId xmlns:p14="http://schemas.microsoft.com/office/powerpoint/2010/main" val="815970830"/>
-              </p:ext>
-            </p:extLst>
-          </p:nvPr>
-        </p:nvGraphicFramePr>
-        <p:xfrm>
-          <a:off x="152401" y="3429000"/>
-          <a:ext cx="8229599" cy="825250"/>
-        </p:xfrm>
-        <a:graphic>
-          <a:graphicData uri="http://schemas.openxmlformats.org/drawingml/2006/table">
-            <a:tbl>
-              <a:tblPr/>
-              <a:tblGrid>
-                <a:gridCol w="2533066">
-                  <a:extLst>
-                    <a:ext uri="{9D8B030D-6E8A-4147-A177-3AD203B41FA5}">
-                      <a16:colId xmlns:a16="http://schemas.microsoft.com/office/drawing/2014/main" val="2395814301"/>
-                    </a:ext>
-                  </a:extLst>
-                </a:gridCol>
-                <a:gridCol w="1111798">
-                  <a:extLst>
-                    <a:ext uri="{9D8B030D-6E8A-4147-A177-3AD203B41FA5}">
-                      <a16:colId xmlns:a16="http://schemas.microsoft.com/office/drawing/2014/main" val="2211409832"/>
-                    </a:ext>
-                  </a:extLst>
-                </a:gridCol>
-                <a:gridCol w="1180569">
-                  <a:extLst>
-                    <a:ext uri="{9D8B030D-6E8A-4147-A177-3AD203B41FA5}">
-                      <a16:colId xmlns:a16="http://schemas.microsoft.com/office/drawing/2014/main" val="1620407261"/>
-                    </a:ext>
-                  </a:extLst>
-                </a:gridCol>
-                <a:gridCol w="939871">
-                  <a:extLst>
-                    <a:ext uri="{9D8B030D-6E8A-4147-A177-3AD203B41FA5}">
-                      <a16:colId xmlns:a16="http://schemas.microsoft.com/office/drawing/2014/main" val="808461706"/>
-                    </a:ext>
-                  </a:extLst>
-                </a:gridCol>
-                <a:gridCol w="813791">
-                  <a:extLst>
-                    <a:ext uri="{9D8B030D-6E8A-4147-A177-3AD203B41FA5}">
-                      <a16:colId xmlns:a16="http://schemas.microsoft.com/office/drawing/2014/main" val="3236954860"/>
-                    </a:ext>
-                  </a:extLst>
-                </a:gridCol>
-                <a:gridCol w="550168">
-                  <a:extLst>
-                    <a:ext uri="{9D8B030D-6E8A-4147-A177-3AD203B41FA5}">
-                      <a16:colId xmlns:a16="http://schemas.microsoft.com/office/drawing/2014/main" val="576084481"/>
-                    </a:ext>
-                  </a:extLst>
-                </a:gridCol>
-                <a:gridCol w="550168">
-                  <a:extLst>
-                    <a:ext uri="{9D8B030D-6E8A-4147-A177-3AD203B41FA5}">
-                      <a16:colId xmlns:a16="http://schemas.microsoft.com/office/drawing/2014/main" val="4263258815"/>
-                    </a:ext>
-                  </a:extLst>
-                </a:gridCol>
-                <a:gridCol w="550168">
-                  <a:extLst>
-                    <a:ext uri="{9D8B030D-6E8A-4147-A177-3AD203B41FA5}">
-                      <a16:colId xmlns:a16="http://schemas.microsoft.com/office/drawing/2014/main" val="3703647857"/>
-                    </a:ext>
-                  </a:extLst>
-                </a:gridCol>
-              </a:tblGrid>
-              <a:tr h="165050">
-                <a:tc>
-                  <a:txBody>
-                    <a:bodyPr/>
-                    <a:lstStyle/>
-                    <a:p>
-                      <a:pPr algn="l" fontAlgn="b"/>
-                      <a:r>
-                        <a:rPr lang="en-US" sz="1000" b="0" i="0" u="none" strike="noStrike">
-                          <a:solidFill>
-                            <a:srgbClr val="000000"/>
-                          </a:solidFill>
-                          <a:effectLst/>
-                          <a:latin typeface="Calibri" panose="020F0502020204030204" pitchFamily="34" charset="0"/>
-                        </a:rPr>
-                        <a:t>Parameter Type</a:t>
-                      </a:r>
-                    </a:p>
-                  </a:txBody>
-                  <a:tcPr marL="6877" marR="6877" marT="6877" marB="0" anchor="b">
-                    <a:lnL>
-                      <a:noFill/>
-                    </a:lnL>
-                    <a:lnR>
-                      <a:noFill/>
-                    </a:lnR>
-                    <a:lnT>
-                      <a:noFill/>
-                    </a:lnT>
-                    <a:lnB>
-                      <a:noFill/>
-                    </a:lnB>
-                  </a:tcPr>
-                </a:tc>
-                <a:tc>
-                  <a:txBody>
-                    <a:bodyPr/>
-                    <a:lstStyle/>
-                    <a:p>
-                      <a:pPr algn="l" fontAlgn="b"/>
-                      <a:r>
-                        <a:rPr lang="en-US" sz="1000" b="0" i="0" u="none" strike="noStrike">
-                          <a:solidFill>
-                            <a:srgbClr val="000000"/>
-                          </a:solidFill>
-                          <a:effectLst/>
-                          <a:latin typeface="Calibri" panose="020F0502020204030204" pitchFamily="34" charset="0"/>
-                        </a:rPr>
-                        <a:t>Object in the model</a:t>
-                      </a:r>
-                    </a:p>
-                  </a:txBody>
-                  <a:tcPr marL="6877" marR="6877" marT="6877" marB="0" anchor="b">
-                    <a:lnL>
-                      <a:noFill/>
-                    </a:lnL>
-                    <a:lnR>
-                      <a:noFill/>
-                    </a:lnR>
-                    <a:lnT>
-                      <a:noFill/>
-                    </a:lnT>
-                    <a:lnB>
-                      <a:noFill/>
-                    </a:lnB>
-                  </a:tcPr>
-                </a:tc>
-                <a:tc>
-                  <a:txBody>
-                    <a:bodyPr/>
-                    <a:lstStyle/>
-                    <a:p>
-                      <a:pPr algn="l" fontAlgn="b"/>
-                      <a:r>
-                        <a:rPr lang="en-US" sz="1000" b="0" i="0" u="none" strike="noStrike">
-                          <a:solidFill>
-                            <a:srgbClr val="000000"/>
-                          </a:solidFill>
-                          <a:effectLst/>
-                          <a:latin typeface="Calibri" panose="020F0502020204030204" pitchFamily="34" charset="0"/>
-                        </a:rPr>
-                        <a:t>Parameter Base Value</a:t>
-                      </a:r>
-                    </a:p>
-                  </a:txBody>
-                  <a:tcPr marL="6877" marR="6877" marT="6877" marB="0" anchor="b">
-                    <a:lnL>
-                      <a:noFill/>
-                    </a:lnL>
-                    <a:lnR>
-                      <a:noFill/>
-                    </a:lnR>
-                    <a:lnT>
-                      <a:noFill/>
-                    </a:lnT>
-                    <a:lnB>
-                      <a:noFill/>
-                    </a:lnB>
-                  </a:tcPr>
-                </a:tc>
-                <a:tc>
-                  <a:txBody>
-                    <a:bodyPr/>
-                    <a:lstStyle/>
-                    <a:p>
-                      <a:pPr algn="l" fontAlgn="b"/>
-                      <a:r>
-                        <a:rPr lang="en-US" sz="1000" b="0" i="0" u="none" strike="noStrike">
-                          <a:solidFill>
-                            <a:srgbClr val="000000"/>
-                          </a:solidFill>
-                          <a:effectLst/>
-                          <a:latin typeface="Calibri" panose="020F0502020204030204" pitchFamily="34" charset="0"/>
-                        </a:rPr>
-                        <a:t>Distribution</a:t>
-                      </a:r>
-                    </a:p>
-                  </a:txBody>
-                  <a:tcPr marL="6877" marR="6877" marT="6877" marB="0" anchor="b">
-                    <a:lnL>
-                      <a:noFill/>
-                    </a:lnL>
-                    <a:lnR>
-                      <a:noFill/>
-                    </a:lnR>
-                    <a:lnT>
-                      <a:noFill/>
-                    </a:lnT>
-                    <a:lnB>
-                      <a:noFill/>
-                    </a:lnB>
-                  </a:tcPr>
-                </a:tc>
-                <a:tc>
-                  <a:txBody>
-                    <a:bodyPr/>
-                    <a:lstStyle/>
-                    <a:p>
-                      <a:pPr algn="l" fontAlgn="b"/>
-                      <a:r>
-                        <a:rPr lang="en-US" sz="1000" b="0" i="0" u="none" strike="noStrike">
-                          <a:solidFill>
-                            <a:srgbClr val="000000"/>
-                          </a:solidFill>
-                          <a:effectLst/>
-                          <a:latin typeface="Calibri" panose="020F0502020204030204" pitchFamily="34" charset="0"/>
-                        </a:rPr>
-                        <a:t>Mean or Mode</a:t>
-                      </a:r>
-                    </a:p>
-                  </a:txBody>
-                  <a:tcPr marL="6877" marR="6877" marT="6877" marB="0" anchor="b">
-                    <a:lnL>
-                      <a:noFill/>
-                    </a:lnL>
-                    <a:lnR>
-                      <a:noFill/>
-                    </a:lnR>
-                    <a:lnT>
-                      <a:noFill/>
-                    </a:lnT>
-                    <a:lnB>
-                      <a:noFill/>
-                    </a:lnB>
-                  </a:tcPr>
-                </a:tc>
-                <a:tc>
-                  <a:txBody>
-                    <a:bodyPr/>
-                    <a:lstStyle/>
-                    <a:p>
-                      <a:pPr algn="l" fontAlgn="b"/>
-                      <a:r>
-                        <a:rPr lang="en-US" sz="1000" b="0" i="0" u="none" strike="noStrike">
-                          <a:solidFill>
-                            <a:srgbClr val="000000"/>
-                          </a:solidFill>
-                          <a:effectLst/>
-                          <a:latin typeface="Calibri" panose="020F0502020204030204" pitchFamily="34" charset="0"/>
-                        </a:rPr>
-                        <a:t>Std Dev</a:t>
-                      </a:r>
-                    </a:p>
-                  </a:txBody>
-                  <a:tcPr marL="6877" marR="6877" marT="6877" marB="0" anchor="b">
-                    <a:lnL>
-                      <a:noFill/>
-                    </a:lnL>
-                    <a:lnR>
-                      <a:noFill/>
-                    </a:lnR>
-                    <a:lnT>
-                      <a:noFill/>
-                    </a:lnT>
-                    <a:lnB>
-                      <a:noFill/>
-                    </a:lnB>
-                  </a:tcPr>
-                </a:tc>
-                <a:tc>
-                  <a:txBody>
-                    <a:bodyPr/>
-                    <a:lstStyle/>
-                    <a:p>
-                      <a:pPr algn="l" fontAlgn="b"/>
-                      <a:r>
-                        <a:rPr lang="en-US" sz="1000" b="0" i="0" u="none" strike="noStrike">
-                          <a:solidFill>
-                            <a:srgbClr val="000000"/>
-                          </a:solidFill>
-                          <a:effectLst/>
-                          <a:latin typeface="Calibri" panose="020F0502020204030204" pitchFamily="34" charset="0"/>
-                        </a:rPr>
-                        <a:t>Min</a:t>
-                      </a:r>
-                    </a:p>
-                  </a:txBody>
-                  <a:tcPr marL="6877" marR="6877" marT="6877" marB="0" anchor="b">
-                    <a:lnL>
-                      <a:noFill/>
-                    </a:lnL>
-                    <a:lnR>
-                      <a:noFill/>
-                    </a:lnR>
-                    <a:lnT>
-                      <a:noFill/>
-                    </a:lnT>
-                    <a:lnB>
-                      <a:noFill/>
-                    </a:lnB>
-                  </a:tcPr>
-                </a:tc>
-                <a:tc>
-                  <a:txBody>
-                    <a:bodyPr/>
-                    <a:lstStyle/>
-                    <a:p>
-                      <a:pPr algn="l" fontAlgn="b"/>
-                      <a:r>
-                        <a:rPr lang="en-US" sz="1000" b="0" i="0" u="none" strike="noStrike">
-                          <a:solidFill>
-                            <a:srgbClr val="000000"/>
-                          </a:solidFill>
-                          <a:effectLst/>
-                          <a:latin typeface="Calibri" panose="020F0502020204030204" pitchFamily="34" charset="0"/>
-                        </a:rPr>
-                        <a:t>Max</a:t>
-                      </a:r>
-                    </a:p>
-                  </a:txBody>
-                  <a:tcPr marL="6877" marR="6877" marT="6877" marB="0" anchor="b">
-                    <a:lnL>
-                      <a:noFill/>
-                    </a:lnL>
-                    <a:lnR>
-                      <a:noFill/>
-                    </a:lnR>
-                    <a:lnT>
-                      <a:noFill/>
-                    </a:lnT>
-                    <a:lnB>
-                      <a:noFill/>
-                    </a:lnB>
-                  </a:tcPr>
-                </a:tc>
-                <a:extLst>
-                  <a:ext uri="{0D108BD9-81ED-4DB2-BD59-A6C34878D82A}">
-                    <a16:rowId xmlns:a16="http://schemas.microsoft.com/office/drawing/2014/main" val="2526366194"/>
-                  </a:ext>
-                </a:extLst>
-              </a:tr>
-              <a:tr h="165050">
-                <a:tc>
-                  <a:txBody>
-                    <a:bodyPr/>
-                    <a:lstStyle/>
-                    <a:p>
-                      <a:pPr algn="l" fontAlgn="b"/>
-                      <a:r>
-                        <a:rPr lang="en-US" sz="1000" b="0" i="0" u="none" strike="noStrike">
-                          <a:solidFill>
-                            <a:srgbClr val="000000"/>
-                          </a:solidFill>
-                          <a:effectLst/>
-                          <a:latin typeface="Calibri" panose="020F0502020204030204" pitchFamily="34" charset="0"/>
-                        </a:rPr>
-                        <a:t>Infiltration</a:t>
-                      </a:r>
-                    </a:p>
-                  </a:txBody>
-                  <a:tcPr marL="6877" marR="6877" marT="6877" marB="0" anchor="b">
-                    <a:lnL>
-                      <a:noFill/>
-                    </a:lnL>
-                    <a:lnR>
-                      <a:noFill/>
-                    </a:lnR>
-                    <a:lnT>
-                      <a:noFill/>
-                    </a:lnT>
-                    <a:lnB>
-                      <a:noFill/>
-                    </a:lnB>
-                  </a:tcPr>
-                </a:tc>
-                <a:tc>
-                  <a:txBody>
-                    <a:bodyPr/>
-                    <a:lstStyle/>
-                    <a:p>
-                      <a:pPr algn="l" fontAlgn="b"/>
-                      <a:r>
-                        <a:rPr lang="en-US" sz="1000" b="0" i="0" u="none" strike="noStrike">
-                          <a:solidFill>
-                            <a:srgbClr val="000000"/>
-                          </a:solidFill>
-                          <a:effectLst/>
-                          <a:latin typeface="Calibri" panose="020F0502020204030204" pitchFamily="34" charset="0"/>
-                        </a:rPr>
-                        <a:t>FlowPerExteriorArea</a:t>
-                      </a:r>
-                    </a:p>
-                  </a:txBody>
-                  <a:tcPr marL="6877" marR="6877" marT="6877" marB="0" anchor="b">
-                    <a:lnL>
-                      <a:noFill/>
-                    </a:lnL>
-                    <a:lnR>
-                      <a:noFill/>
-                    </a:lnR>
-                    <a:lnT>
-                      <a:noFill/>
-                    </a:lnT>
-                    <a:lnB>
-                      <a:noFill/>
-                    </a:lnB>
-                  </a:tcPr>
-                </a:tc>
-                <a:tc>
-                  <a:txBody>
-                    <a:bodyPr/>
-                    <a:lstStyle/>
-                    <a:p>
-                      <a:pPr algn="l" fontAlgn="b"/>
-                      <a:endParaRPr lang="en-US" sz="1000" b="0" i="0" u="none" strike="noStrike">
-                        <a:solidFill>
-                          <a:srgbClr val="000000"/>
-                        </a:solidFill>
-                        <a:effectLst/>
-                        <a:latin typeface="Calibri" panose="020F0502020204030204" pitchFamily="34" charset="0"/>
-                      </a:endParaRPr>
-                    </a:p>
-                  </a:txBody>
-                  <a:tcPr marL="6877" marR="6877" marT="6877" marB="0" anchor="b">
-                    <a:lnL>
-                      <a:noFill/>
-                    </a:lnL>
-                    <a:lnR>
-                      <a:noFill/>
-                    </a:lnR>
-                    <a:lnT>
-                      <a:noFill/>
-                    </a:lnT>
-                    <a:lnB>
-                      <a:noFill/>
-                    </a:lnB>
-                  </a:tcPr>
-                </a:tc>
-                <a:tc>
-                  <a:txBody>
-                    <a:bodyPr/>
-                    <a:lstStyle/>
-                    <a:p>
-                      <a:pPr algn="l" fontAlgn="b"/>
-                      <a:r>
-                        <a:rPr lang="en-US" sz="1000" b="0" i="0" u="none" strike="noStrike">
-                          <a:solidFill>
-                            <a:srgbClr val="000000"/>
-                          </a:solidFill>
-                          <a:effectLst/>
-                          <a:latin typeface="Calibri" panose="020F0502020204030204" pitchFamily="34" charset="0"/>
-                        </a:rPr>
-                        <a:t>Triangle Absolute</a:t>
-                      </a:r>
-                    </a:p>
-                  </a:txBody>
-                  <a:tcPr marL="6877" marR="6877" marT="6877" marB="0" anchor="b">
-                    <a:lnL>
-                      <a:noFill/>
-                    </a:lnL>
-                    <a:lnR>
-                      <a:noFill/>
-                    </a:lnR>
-                    <a:lnT>
-                      <a:noFill/>
-                    </a:lnT>
-                    <a:lnB>
-                      <a:noFill/>
-                    </a:lnB>
-                  </a:tcPr>
-                </a:tc>
-                <a:tc>
-                  <a:txBody>
-                    <a:bodyPr/>
-                    <a:lstStyle/>
-                    <a:p>
-                      <a:pPr algn="r" fontAlgn="b"/>
-                      <a:r>
-                        <a:rPr lang="en-US" sz="1000" b="0" i="0" u="none" strike="noStrike">
-                          <a:solidFill>
-                            <a:srgbClr val="000000"/>
-                          </a:solidFill>
-                          <a:effectLst/>
-                          <a:latin typeface="Calibri" panose="020F0502020204030204" pitchFamily="34" charset="0"/>
-                        </a:rPr>
-                        <a:t>0.00095</a:t>
-                      </a:r>
-                    </a:p>
-                  </a:txBody>
-                  <a:tcPr marL="6877" marR="6877" marT="6877" marB="0" anchor="b">
-                    <a:lnL>
-                      <a:noFill/>
-                    </a:lnL>
-                    <a:lnR>
-                      <a:noFill/>
-                    </a:lnR>
-                    <a:lnT>
-                      <a:noFill/>
-                    </a:lnT>
-                    <a:lnB>
-                      <a:noFill/>
-                    </a:lnB>
-                  </a:tcPr>
-                </a:tc>
-                <a:tc>
-                  <a:txBody>
-                    <a:bodyPr/>
-                    <a:lstStyle/>
-                    <a:p>
-                      <a:pPr algn="l" fontAlgn="b"/>
-                      <a:endParaRPr lang="en-US" sz="1000" b="0" i="0" u="none" strike="noStrike">
-                        <a:solidFill>
-                          <a:srgbClr val="000000"/>
-                        </a:solidFill>
-                        <a:effectLst/>
-                        <a:latin typeface="Calibri" panose="020F0502020204030204" pitchFamily="34" charset="0"/>
-                      </a:endParaRPr>
-                    </a:p>
-                  </a:txBody>
-                  <a:tcPr marL="6877" marR="6877" marT="6877" marB="0" anchor="b">
-                    <a:lnL>
-                      <a:noFill/>
-                    </a:lnL>
-                    <a:lnR>
-                      <a:noFill/>
-                    </a:lnR>
-                    <a:lnT>
-                      <a:noFill/>
-                    </a:lnT>
-                    <a:lnB>
-                      <a:noFill/>
-                    </a:lnB>
-                  </a:tcPr>
-                </a:tc>
-                <a:tc>
-                  <a:txBody>
-                    <a:bodyPr/>
-                    <a:lstStyle/>
-                    <a:p>
-                      <a:pPr algn="r" fontAlgn="b"/>
-                      <a:r>
-                        <a:rPr lang="en-US" sz="1000" b="0" i="0" u="none" strike="noStrike">
-                          <a:solidFill>
-                            <a:srgbClr val="000000"/>
-                          </a:solidFill>
-                          <a:effectLst/>
-                          <a:latin typeface="Calibri" panose="020F0502020204030204" pitchFamily="34" charset="0"/>
-                        </a:rPr>
-                        <a:t>0.000319</a:t>
-                      </a:r>
-                    </a:p>
-                  </a:txBody>
-                  <a:tcPr marL="6877" marR="6877" marT="6877" marB="0" anchor="b">
-                    <a:lnL>
-                      <a:noFill/>
-                    </a:lnL>
-                    <a:lnR>
-                      <a:noFill/>
-                    </a:lnR>
-                    <a:lnT>
-                      <a:noFill/>
-                    </a:lnT>
-                    <a:lnB>
-                      <a:noFill/>
-                    </a:lnB>
-                  </a:tcPr>
-                </a:tc>
-                <a:tc>
-                  <a:txBody>
-                    <a:bodyPr/>
-                    <a:lstStyle/>
-                    <a:p>
-                      <a:pPr algn="r" fontAlgn="b"/>
-                      <a:r>
-                        <a:rPr lang="en-US" sz="1000" b="0" i="0" u="none" strike="noStrike">
-                          <a:solidFill>
-                            <a:srgbClr val="000000"/>
-                          </a:solidFill>
-                          <a:effectLst/>
-                          <a:latin typeface="Calibri" panose="020F0502020204030204" pitchFamily="34" charset="0"/>
-                        </a:rPr>
-                        <a:t>0.002894</a:t>
-                      </a:r>
-                    </a:p>
-                  </a:txBody>
-                  <a:tcPr marL="6877" marR="6877" marT="6877" marB="0" anchor="b">
-                    <a:lnL>
-                      <a:noFill/>
-                    </a:lnL>
-                    <a:lnR>
-                      <a:noFill/>
-                    </a:lnR>
-                    <a:lnT>
-                      <a:noFill/>
-                    </a:lnT>
-                    <a:lnB>
-                      <a:noFill/>
-                    </a:lnB>
-                  </a:tcPr>
-                </a:tc>
-                <a:extLst>
-                  <a:ext uri="{0D108BD9-81ED-4DB2-BD59-A6C34878D82A}">
-                    <a16:rowId xmlns:a16="http://schemas.microsoft.com/office/drawing/2014/main" val="2233615492"/>
-                  </a:ext>
-                </a:extLst>
-              </a:tr>
-              <a:tr h="165050">
-                <a:tc>
-                  <a:txBody>
-                    <a:bodyPr/>
-                    <a:lstStyle/>
-                    <a:p>
-                      <a:pPr algn="l" fontAlgn="b"/>
-                      <a:r>
-                        <a:rPr lang="en-US" sz="1000" b="0" i="0" u="none" strike="noStrike" dirty="0" err="1">
-                          <a:solidFill>
-                            <a:srgbClr val="000000"/>
-                          </a:solidFill>
-                          <a:effectLst/>
-                          <a:latin typeface="Calibri" panose="020F0502020204030204" pitchFamily="34" charset="0"/>
-                        </a:rPr>
-                        <a:t>Lights_WattsPerSpaceFloorArea</a:t>
-                      </a:r>
-                      <a:endParaRPr lang="en-US" sz="1000" b="0" i="0" u="none" strike="noStrike" dirty="0">
-                        <a:solidFill>
-                          <a:srgbClr val="000000"/>
-                        </a:solidFill>
-                        <a:effectLst/>
-                        <a:latin typeface="Calibri" panose="020F0502020204030204" pitchFamily="34" charset="0"/>
-                      </a:endParaRPr>
-                    </a:p>
-                  </a:txBody>
-                  <a:tcPr marL="6877" marR="6877" marT="6877" marB="0" anchor="b">
-                    <a:lnL>
-                      <a:noFill/>
-                    </a:lnL>
-                    <a:lnR>
-                      <a:noFill/>
-                    </a:lnR>
-                    <a:lnT>
-                      <a:noFill/>
-                    </a:lnT>
-                    <a:lnB>
-                      <a:noFill/>
-                    </a:lnB>
-                  </a:tcPr>
-                </a:tc>
-                <a:tc>
-                  <a:txBody>
-                    <a:bodyPr/>
-                    <a:lstStyle/>
-                    <a:p>
-                      <a:pPr algn="l" fontAlgn="b"/>
-                      <a:r>
-                        <a:rPr lang="en-US" sz="1000" b="0" i="0" u="none" strike="noStrike">
-                          <a:solidFill>
-                            <a:srgbClr val="000000"/>
-                          </a:solidFill>
-                          <a:effectLst/>
-                          <a:latin typeface="Calibri" panose="020F0502020204030204" pitchFamily="34" charset="0"/>
-                        </a:rPr>
-                        <a:t>Office_Space_Type</a:t>
-                      </a:r>
-                    </a:p>
-                  </a:txBody>
-                  <a:tcPr marL="6877" marR="6877" marT="6877" marB="0" anchor="b">
-                    <a:lnL>
-                      <a:noFill/>
-                    </a:lnL>
-                    <a:lnR>
-                      <a:noFill/>
-                    </a:lnR>
-                    <a:lnT>
-                      <a:noFill/>
-                    </a:lnT>
-                    <a:lnB>
-                      <a:noFill/>
-                    </a:lnB>
-                  </a:tcPr>
-                </a:tc>
-                <a:tc>
-                  <a:txBody>
-                    <a:bodyPr/>
-                    <a:lstStyle/>
-                    <a:p>
-                      <a:pPr algn="r" fontAlgn="b"/>
-                      <a:r>
-                        <a:rPr lang="en-US" sz="1000" b="0" i="0" u="none" strike="noStrike">
-                          <a:solidFill>
-                            <a:srgbClr val="000000"/>
-                          </a:solidFill>
-                          <a:effectLst/>
-                          <a:latin typeface="Calibri" panose="020F0502020204030204" pitchFamily="34" charset="0"/>
-                        </a:rPr>
-                        <a:t>15.17433543</a:t>
-                      </a:r>
-                    </a:p>
-                  </a:txBody>
-                  <a:tcPr marL="6877" marR="6877" marT="6877" marB="0" anchor="b">
-                    <a:lnL>
-                      <a:noFill/>
-                    </a:lnL>
-                    <a:lnR>
-                      <a:noFill/>
-                    </a:lnR>
-                    <a:lnT>
-                      <a:noFill/>
-                    </a:lnT>
-                    <a:lnB>
-                      <a:noFill/>
-                    </a:lnB>
-                  </a:tcPr>
-                </a:tc>
-                <a:tc>
-                  <a:txBody>
-                    <a:bodyPr/>
-                    <a:lstStyle/>
-                    <a:p>
-                      <a:pPr algn="l" fontAlgn="b"/>
-                      <a:r>
-                        <a:rPr lang="en-US" sz="1000" b="0" i="0" u="none" strike="noStrike">
-                          <a:solidFill>
-                            <a:srgbClr val="000000"/>
-                          </a:solidFill>
-                          <a:effectLst/>
-                          <a:latin typeface="Calibri" panose="020F0502020204030204" pitchFamily="34" charset="0"/>
-                        </a:rPr>
-                        <a:t>Normal Relative</a:t>
-                      </a:r>
-                    </a:p>
-                  </a:txBody>
-                  <a:tcPr marL="6877" marR="6877" marT="6877" marB="0" anchor="b">
-                    <a:lnL>
-                      <a:noFill/>
-                    </a:lnL>
-                    <a:lnR>
-                      <a:noFill/>
-                    </a:lnR>
-                    <a:lnT>
-                      <a:noFill/>
-                    </a:lnT>
-                    <a:lnB>
-                      <a:noFill/>
-                    </a:lnB>
-                  </a:tcPr>
-                </a:tc>
-                <a:tc>
-                  <a:txBody>
-                    <a:bodyPr/>
-                    <a:lstStyle/>
-                    <a:p>
-                      <a:pPr algn="r" fontAlgn="b"/>
-                      <a:r>
-                        <a:rPr lang="en-US" sz="1000" b="0" i="0" u="none" strike="noStrike">
-                          <a:solidFill>
-                            <a:srgbClr val="000000"/>
-                          </a:solidFill>
-                          <a:effectLst/>
-                          <a:latin typeface="Calibri" panose="020F0502020204030204" pitchFamily="34" charset="0"/>
-                        </a:rPr>
-                        <a:t>1</a:t>
-                      </a:r>
-                    </a:p>
-                  </a:txBody>
-                  <a:tcPr marL="6877" marR="6877" marT="6877" marB="0" anchor="b">
-                    <a:lnL>
-                      <a:noFill/>
-                    </a:lnL>
-                    <a:lnR>
-                      <a:noFill/>
-                    </a:lnR>
-                    <a:lnT>
-                      <a:noFill/>
-                    </a:lnT>
-                    <a:lnB>
-                      <a:noFill/>
-                    </a:lnB>
-                  </a:tcPr>
-                </a:tc>
-                <a:tc>
-                  <a:txBody>
-                    <a:bodyPr/>
-                    <a:lstStyle/>
-                    <a:p>
-                      <a:pPr algn="r" fontAlgn="b"/>
-                      <a:r>
-                        <a:rPr lang="en-US" sz="1000" b="0" i="0" u="none" strike="noStrike">
-                          <a:solidFill>
-                            <a:srgbClr val="000000"/>
-                          </a:solidFill>
-                          <a:effectLst/>
-                          <a:latin typeface="Calibri" panose="020F0502020204030204" pitchFamily="34" charset="0"/>
-                        </a:rPr>
-                        <a:t>0.5</a:t>
-                      </a:r>
-                    </a:p>
-                  </a:txBody>
-                  <a:tcPr marL="6877" marR="6877" marT="6877" marB="0" anchor="b">
-                    <a:lnL>
-                      <a:noFill/>
-                    </a:lnL>
-                    <a:lnR>
-                      <a:noFill/>
-                    </a:lnR>
-                    <a:lnT>
-                      <a:noFill/>
-                    </a:lnT>
-                    <a:lnB>
-                      <a:noFill/>
-                    </a:lnB>
-                  </a:tcPr>
-                </a:tc>
-                <a:tc>
-                  <a:txBody>
-                    <a:bodyPr/>
-                    <a:lstStyle/>
-                    <a:p>
-                      <a:pPr algn="r" fontAlgn="b"/>
-                      <a:r>
-                        <a:rPr lang="en-US" sz="1000" b="0" i="0" u="none" strike="noStrike">
-                          <a:solidFill>
-                            <a:srgbClr val="000000"/>
-                          </a:solidFill>
-                          <a:effectLst/>
-                          <a:latin typeface="Calibri" panose="020F0502020204030204" pitchFamily="34" charset="0"/>
-                        </a:rPr>
-                        <a:t>0</a:t>
-                      </a:r>
-                    </a:p>
-                  </a:txBody>
-                  <a:tcPr marL="6877" marR="6877" marT="6877" marB="0" anchor="b">
-                    <a:lnL>
-                      <a:noFill/>
-                    </a:lnL>
-                    <a:lnR>
-                      <a:noFill/>
-                    </a:lnR>
-                    <a:lnT>
-                      <a:noFill/>
-                    </a:lnT>
-                    <a:lnB>
-                      <a:noFill/>
-                    </a:lnB>
-                  </a:tcPr>
-                </a:tc>
-                <a:tc>
-                  <a:txBody>
-                    <a:bodyPr/>
-                    <a:lstStyle/>
-                    <a:p>
-                      <a:pPr algn="r" fontAlgn="b"/>
-                      <a:r>
-                        <a:rPr lang="en-US" sz="1000" b="0" i="0" u="none" strike="noStrike">
-                          <a:solidFill>
-                            <a:srgbClr val="000000"/>
-                          </a:solidFill>
-                          <a:effectLst/>
-                          <a:latin typeface="Calibri" panose="020F0502020204030204" pitchFamily="34" charset="0"/>
-                        </a:rPr>
-                        <a:t>50</a:t>
-                      </a:r>
-                    </a:p>
-                  </a:txBody>
-                  <a:tcPr marL="6877" marR="6877" marT="6877" marB="0" anchor="b">
-                    <a:lnL>
-                      <a:noFill/>
-                    </a:lnL>
-                    <a:lnR>
-                      <a:noFill/>
-                    </a:lnR>
-                    <a:lnT>
-                      <a:noFill/>
-                    </a:lnT>
-                    <a:lnB>
-                      <a:noFill/>
-                    </a:lnB>
-                  </a:tcPr>
-                </a:tc>
-                <a:extLst>
-                  <a:ext uri="{0D108BD9-81ED-4DB2-BD59-A6C34878D82A}">
-                    <a16:rowId xmlns:a16="http://schemas.microsoft.com/office/drawing/2014/main" val="674801969"/>
-                  </a:ext>
-                </a:extLst>
-              </a:tr>
-              <a:tr h="165050">
-                <a:tc>
-                  <a:txBody>
-                    <a:bodyPr/>
-                    <a:lstStyle/>
-                    <a:p>
-                      <a:pPr algn="l" fontAlgn="b"/>
-                      <a:r>
-                        <a:rPr lang="en-US" sz="1000" b="0" i="0" u="none" strike="noStrike">
-                          <a:solidFill>
-                            <a:srgbClr val="000000"/>
-                          </a:solidFill>
-                          <a:effectLst/>
-                          <a:latin typeface="Calibri" panose="020F0502020204030204" pitchFamily="34" charset="0"/>
-                        </a:rPr>
-                        <a:t>PlugLoad_WattsPerSpaceFloorArea</a:t>
-                      </a:r>
-                    </a:p>
-                  </a:txBody>
-                  <a:tcPr marL="6877" marR="6877" marT="6877" marB="0" anchor="b">
-                    <a:lnL>
-                      <a:noFill/>
-                    </a:lnL>
-                    <a:lnR>
-                      <a:noFill/>
-                    </a:lnR>
-                    <a:lnT>
-                      <a:noFill/>
-                    </a:lnT>
-                    <a:lnB>
-                      <a:noFill/>
-                    </a:lnB>
-                  </a:tcPr>
-                </a:tc>
-                <a:tc>
-                  <a:txBody>
-                    <a:bodyPr/>
-                    <a:lstStyle/>
-                    <a:p>
-                      <a:pPr algn="l" fontAlgn="b"/>
-                      <a:r>
-                        <a:rPr lang="en-US" sz="1000" b="0" i="0" u="none" strike="noStrike">
-                          <a:solidFill>
-                            <a:srgbClr val="000000"/>
-                          </a:solidFill>
-                          <a:effectLst/>
-                          <a:latin typeface="Calibri" panose="020F0502020204030204" pitchFamily="34" charset="0"/>
-                        </a:rPr>
-                        <a:t>Office_Space_Type</a:t>
-                      </a:r>
-                    </a:p>
-                  </a:txBody>
-                  <a:tcPr marL="6877" marR="6877" marT="6877" marB="0" anchor="b">
-                    <a:lnL>
-                      <a:noFill/>
-                    </a:lnL>
-                    <a:lnR>
-                      <a:noFill/>
-                    </a:lnR>
-                    <a:lnT>
-                      <a:noFill/>
-                    </a:lnT>
-                    <a:lnB>
-                      <a:noFill/>
-                    </a:lnB>
-                  </a:tcPr>
-                </a:tc>
-                <a:tc>
-                  <a:txBody>
-                    <a:bodyPr/>
-                    <a:lstStyle/>
-                    <a:p>
-                      <a:pPr algn="r" fontAlgn="b"/>
-                      <a:r>
-                        <a:rPr lang="en-US" sz="1000" b="0" i="0" u="none" strike="noStrike">
-                          <a:solidFill>
-                            <a:srgbClr val="000000"/>
-                          </a:solidFill>
-                          <a:effectLst/>
-                          <a:latin typeface="Calibri" panose="020F0502020204030204" pitchFamily="34" charset="0"/>
-                        </a:rPr>
-                        <a:t>8.072932813</a:t>
-                      </a:r>
-                    </a:p>
-                  </a:txBody>
-                  <a:tcPr marL="6877" marR="6877" marT="6877" marB="0" anchor="b">
-                    <a:lnL>
-                      <a:noFill/>
-                    </a:lnL>
-                    <a:lnR>
-                      <a:noFill/>
-                    </a:lnR>
-                    <a:lnT>
-                      <a:noFill/>
-                    </a:lnT>
-                    <a:lnB>
-                      <a:noFill/>
-                    </a:lnB>
-                  </a:tcPr>
-                </a:tc>
-                <a:tc>
-                  <a:txBody>
-                    <a:bodyPr/>
-                    <a:lstStyle/>
-                    <a:p>
-                      <a:pPr algn="l" fontAlgn="b"/>
-                      <a:r>
-                        <a:rPr lang="en-US" sz="1000" b="0" i="0" u="none" strike="noStrike">
-                          <a:solidFill>
-                            <a:srgbClr val="000000"/>
-                          </a:solidFill>
-                          <a:effectLst/>
-                          <a:latin typeface="Calibri" panose="020F0502020204030204" pitchFamily="34" charset="0"/>
-                        </a:rPr>
-                        <a:t>Normal Relative</a:t>
-                      </a:r>
-                    </a:p>
-                  </a:txBody>
-                  <a:tcPr marL="6877" marR="6877" marT="6877" marB="0" anchor="b">
-                    <a:lnL>
-                      <a:noFill/>
-                    </a:lnL>
-                    <a:lnR>
-                      <a:noFill/>
-                    </a:lnR>
-                    <a:lnT>
-                      <a:noFill/>
-                    </a:lnT>
-                    <a:lnB>
-                      <a:noFill/>
-                    </a:lnB>
-                  </a:tcPr>
-                </a:tc>
-                <a:tc>
-                  <a:txBody>
-                    <a:bodyPr/>
-                    <a:lstStyle/>
-                    <a:p>
-                      <a:pPr algn="r" fontAlgn="b"/>
-                      <a:r>
-                        <a:rPr lang="en-US" sz="1000" b="0" i="0" u="none" strike="noStrike">
-                          <a:solidFill>
-                            <a:srgbClr val="000000"/>
-                          </a:solidFill>
-                          <a:effectLst/>
-                          <a:latin typeface="Calibri" panose="020F0502020204030204" pitchFamily="34" charset="0"/>
-                        </a:rPr>
-                        <a:t>1</a:t>
-                      </a:r>
-                    </a:p>
-                  </a:txBody>
-                  <a:tcPr marL="6877" marR="6877" marT="6877" marB="0" anchor="b">
-                    <a:lnL>
-                      <a:noFill/>
-                    </a:lnL>
-                    <a:lnR>
-                      <a:noFill/>
-                    </a:lnR>
-                    <a:lnT>
-                      <a:noFill/>
-                    </a:lnT>
-                    <a:lnB>
-                      <a:noFill/>
-                    </a:lnB>
-                  </a:tcPr>
-                </a:tc>
-                <a:tc>
-                  <a:txBody>
-                    <a:bodyPr/>
-                    <a:lstStyle/>
-                    <a:p>
-                      <a:pPr algn="r" fontAlgn="b"/>
-                      <a:r>
-                        <a:rPr lang="en-US" sz="1000" b="0" i="0" u="none" strike="noStrike">
-                          <a:solidFill>
-                            <a:srgbClr val="000000"/>
-                          </a:solidFill>
-                          <a:effectLst/>
-                          <a:latin typeface="Calibri" panose="020F0502020204030204" pitchFamily="34" charset="0"/>
-                        </a:rPr>
-                        <a:t>0.5</a:t>
-                      </a:r>
-                    </a:p>
-                  </a:txBody>
-                  <a:tcPr marL="6877" marR="6877" marT="6877" marB="0" anchor="b">
-                    <a:lnL>
-                      <a:noFill/>
-                    </a:lnL>
-                    <a:lnR>
-                      <a:noFill/>
-                    </a:lnR>
-                    <a:lnT>
-                      <a:noFill/>
-                    </a:lnT>
-                    <a:lnB>
-                      <a:noFill/>
-                    </a:lnB>
-                  </a:tcPr>
-                </a:tc>
-                <a:tc>
-                  <a:txBody>
-                    <a:bodyPr/>
-                    <a:lstStyle/>
-                    <a:p>
-                      <a:pPr algn="r" fontAlgn="b"/>
-                      <a:r>
-                        <a:rPr lang="en-US" sz="1000" b="0" i="0" u="none" strike="noStrike">
-                          <a:solidFill>
-                            <a:srgbClr val="000000"/>
-                          </a:solidFill>
-                          <a:effectLst/>
-                          <a:latin typeface="Calibri" panose="020F0502020204030204" pitchFamily="34" charset="0"/>
-                        </a:rPr>
-                        <a:t>0</a:t>
-                      </a:r>
-                    </a:p>
-                  </a:txBody>
-                  <a:tcPr marL="6877" marR="6877" marT="6877" marB="0" anchor="b">
-                    <a:lnL>
-                      <a:noFill/>
-                    </a:lnL>
-                    <a:lnR>
-                      <a:noFill/>
-                    </a:lnR>
-                    <a:lnT>
-                      <a:noFill/>
-                    </a:lnT>
-                    <a:lnB>
-                      <a:noFill/>
-                    </a:lnB>
-                  </a:tcPr>
-                </a:tc>
-                <a:tc>
-                  <a:txBody>
-                    <a:bodyPr/>
-                    <a:lstStyle/>
-                    <a:p>
-                      <a:pPr algn="r" fontAlgn="b"/>
-                      <a:r>
-                        <a:rPr lang="en-US" sz="1000" b="0" i="0" u="none" strike="noStrike">
-                          <a:solidFill>
-                            <a:srgbClr val="000000"/>
-                          </a:solidFill>
-                          <a:effectLst/>
-                          <a:latin typeface="Calibri" panose="020F0502020204030204" pitchFamily="34" charset="0"/>
-                        </a:rPr>
-                        <a:t>50</a:t>
-                      </a:r>
-                    </a:p>
-                  </a:txBody>
-                  <a:tcPr marL="6877" marR="6877" marT="6877" marB="0" anchor="b">
-                    <a:lnL>
-                      <a:noFill/>
-                    </a:lnL>
-                    <a:lnR>
-                      <a:noFill/>
-                    </a:lnR>
-                    <a:lnT>
-                      <a:noFill/>
-                    </a:lnT>
-                    <a:lnB>
-                      <a:noFill/>
-                    </a:lnB>
-                  </a:tcPr>
-                </a:tc>
-                <a:extLst>
-                  <a:ext uri="{0D108BD9-81ED-4DB2-BD59-A6C34878D82A}">
-                    <a16:rowId xmlns:a16="http://schemas.microsoft.com/office/drawing/2014/main" val="877434275"/>
-                  </a:ext>
-                </a:extLst>
-              </a:tr>
-              <a:tr h="165050">
-                <a:tc>
-                  <a:txBody>
-                    <a:bodyPr/>
-                    <a:lstStyle/>
-                    <a:p>
-                      <a:pPr algn="l" fontAlgn="b"/>
-                      <a:r>
-                        <a:rPr lang="en-US" sz="1000" b="0" i="0" u="none" strike="noStrike">
-                          <a:solidFill>
-                            <a:srgbClr val="000000"/>
-                          </a:solidFill>
-                          <a:effectLst/>
-                          <a:latin typeface="Calibri" panose="020F0502020204030204" pitchFamily="34" charset="0"/>
-                        </a:rPr>
-                        <a:t>People_SpaceFloorAreaPerPerson</a:t>
-                      </a:r>
-                    </a:p>
-                  </a:txBody>
-                  <a:tcPr marL="6877" marR="6877" marT="6877" marB="0" anchor="b">
-                    <a:lnL>
-                      <a:noFill/>
-                    </a:lnL>
-                    <a:lnR>
-                      <a:noFill/>
-                    </a:lnR>
-                    <a:lnT>
-                      <a:noFill/>
-                    </a:lnT>
-                    <a:lnB>
-                      <a:noFill/>
-                    </a:lnB>
-                  </a:tcPr>
-                </a:tc>
-                <a:tc>
-                  <a:txBody>
-                    <a:bodyPr/>
-                    <a:lstStyle/>
-                    <a:p>
-                      <a:pPr algn="l" fontAlgn="b"/>
-                      <a:r>
-                        <a:rPr lang="en-US" sz="1000" b="0" i="0" u="none" strike="noStrike">
-                          <a:solidFill>
-                            <a:srgbClr val="000000"/>
-                          </a:solidFill>
-                          <a:effectLst/>
-                          <a:latin typeface="Calibri" panose="020F0502020204030204" pitchFamily="34" charset="0"/>
-                        </a:rPr>
-                        <a:t>Office_Space_Type</a:t>
-                      </a:r>
-                    </a:p>
-                  </a:txBody>
-                  <a:tcPr marL="6877" marR="6877" marT="6877" marB="0" anchor="b">
-                    <a:lnL>
-                      <a:noFill/>
-                    </a:lnL>
-                    <a:lnR>
-                      <a:noFill/>
-                    </a:lnR>
-                    <a:lnT>
-                      <a:noFill/>
-                    </a:lnT>
-                    <a:lnB>
-                      <a:noFill/>
-                    </a:lnB>
-                  </a:tcPr>
-                </a:tc>
-                <a:tc>
-                  <a:txBody>
-                    <a:bodyPr/>
-                    <a:lstStyle/>
-                    <a:p>
-                      <a:pPr algn="r" fontAlgn="b"/>
-                      <a:r>
-                        <a:rPr lang="en-US" sz="1000" b="0" i="0" u="none" strike="noStrike">
-                          <a:solidFill>
-                            <a:srgbClr val="000000"/>
-                          </a:solidFill>
-                          <a:effectLst/>
-                          <a:latin typeface="Calibri" panose="020F0502020204030204" pitchFamily="34" charset="0"/>
-                        </a:rPr>
-                        <a:t>18.58060872</a:t>
-                      </a:r>
-                    </a:p>
-                  </a:txBody>
-                  <a:tcPr marL="6877" marR="6877" marT="6877" marB="0" anchor="b">
-                    <a:lnL>
-                      <a:noFill/>
-                    </a:lnL>
-                    <a:lnR>
-                      <a:noFill/>
-                    </a:lnR>
-                    <a:lnT>
-                      <a:noFill/>
-                    </a:lnT>
-                    <a:lnB>
-                      <a:noFill/>
-                    </a:lnB>
-                  </a:tcPr>
-                </a:tc>
-                <a:tc>
-                  <a:txBody>
-                    <a:bodyPr/>
-                    <a:lstStyle/>
-                    <a:p>
-                      <a:pPr algn="l" fontAlgn="b"/>
-                      <a:r>
-                        <a:rPr lang="en-US" sz="1000" b="0" i="0" u="none" strike="noStrike">
-                          <a:solidFill>
-                            <a:srgbClr val="000000"/>
-                          </a:solidFill>
-                          <a:effectLst/>
-                          <a:latin typeface="Calibri" panose="020F0502020204030204" pitchFamily="34" charset="0"/>
-                        </a:rPr>
-                        <a:t>Normal Relative</a:t>
-                      </a:r>
-                    </a:p>
-                  </a:txBody>
-                  <a:tcPr marL="6877" marR="6877" marT="6877" marB="0" anchor="b">
-                    <a:lnL>
-                      <a:noFill/>
-                    </a:lnL>
-                    <a:lnR>
-                      <a:noFill/>
-                    </a:lnR>
-                    <a:lnT>
-                      <a:noFill/>
-                    </a:lnT>
-                    <a:lnB>
-                      <a:noFill/>
-                    </a:lnB>
-                  </a:tcPr>
-                </a:tc>
-                <a:tc>
-                  <a:txBody>
-                    <a:bodyPr/>
-                    <a:lstStyle/>
-                    <a:p>
-                      <a:pPr algn="r" fontAlgn="b"/>
-                      <a:r>
-                        <a:rPr lang="en-US" sz="1000" b="0" i="0" u="none" strike="noStrike" dirty="0">
-                          <a:solidFill>
-                            <a:srgbClr val="000000"/>
-                          </a:solidFill>
-                          <a:effectLst/>
-                          <a:latin typeface="Calibri" panose="020F0502020204030204" pitchFamily="34" charset="0"/>
-                        </a:rPr>
-                        <a:t>1</a:t>
-                      </a:r>
-                    </a:p>
-                  </a:txBody>
-                  <a:tcPr marL="6877" marR="6877" marT="6877" marB="0" anchor="b">
-                    <a:lnL>
-                      <a:noFill/>
-                    </a:lnL>
-                    <a:lnR>
-                      <a:noFill/>
-                    </a:lnR>
-                    <a:lnT>
-                      <a:noFill/>
-                    </a:lnT>
-                    <a:lnB>
-                      <a:noFill/>
-                    </a:lnB>
-                  </a:tcPr>
-                </a:tc>
-                <a:tc>
-                  <a:txBody>
-                    <a:bodyPr/>
-                    <a:lstStyle/>
-                    <a:p>
-                      <a:pPr algn="r" fontAlgn="b"/>
-                      <a:r>
-                        <a:rPr lang="en-US" sz="1000" b="0" i="0" u="none" strike="noStrike">
-                          <a:solidFill>
-                            <a:srgbClr val="000000"/>
-                          </a:solidFill>
-                          <a:effectLst/>
-                          <a:latin typeface="Calibri" panose="020F0502020204030204" pitchFamily="34" charset="0"/>
-                        </a:rPr>
-                        <a:t>0.5</a:t>
-                      </a:r>
-                    </a:p>
-                  </a:txBody>
-                  <a:tcPr marL="6877" marR="6877" marT="6877" marB="0" anchor="b">
-                    <a:lnL>
-                      <a:noFill/>
-                    </a:lnL>
-                    <a:lnR>
-                      <a:noFill/>
-                    </a:lnR>
-                    <a:lnT>
-                      <a:noFill/>
-                    </a:lnT>
-                    <a:lnB>
-                      <a:noFill/>
-                    </a:lnB>
-                  </a:tcPr>
-                </a:tc>
-                <a:tc>
-                  <a:txBody>
-                    <a:bodyPr/>
-                    <a:lstStyle/>
-                    <a:p>
-                      <a:pPr algn="r" fontAlgn="b"/>
-                      <a:r>
-                        <a:rPr lang="en-US" sz="1000" b="0" i="0" u="none" strike="noStrike">
-                          <a:solidFill>
-                            <a:srgbClr val="000000"/>
-                          </a:solidFill>
-                          <a:effectLst/>
-                          <a:latin typeface="Calibri" panose="020F0502020204030204" pitchFamily="34" charset="0"/>
-                        </a:rPr>
-                        <a:t>0</a:t>
-                      </a:r>
-                    </a:p>
-                  </a:txBody>
-                  <a:tcPr marL="6877" marR="6877" marT="6877" marB="0" anchor="b">
-                    <a:lnL>
-                      <a:noFill/>
-                    </a:lnL>
-                    <a:lnR>
-                      <a:noFill/>
-                    </a:lnR>
-                    <a:lnT>
-                      <a:noFill/>
-                    </a:lnT>
-                    <a:lnB>
-                      <a:noFill/>
-                    </a:lnB>
-                  </a:tcPr>
-                </a:tc>
-                <a:tc>
-                  <a:txBody>
-                    <a:bodyPr/>
-                    <a:lstStyle/>
-                    <a:p>
-                      <a:pPr algn="r" fontAlgn="b"/>
-                      <a:r>
-                        <a:rPr lang="en-US" sz="1000" b="0" i="0" u="none" strike="noStrike" dirty="0">
-                          <a:solidFill>
-                            <a:srgbClr val="000000"/>
-                          </a:solidFill>
-                          <a:effectLst/>
-                          <a:latin typeface="Calibri" panose="020F0502020204030204" pitchFamily="34" charset="0"/>
-                        </a:rPr>
-                        <a:t>30</a:t>
-                      </a:r>
-                    </a:p>
-                  </a:txBody>
-                  <a:tcPr marL="6877" marR="6877" marT="6877" marB="0" anchor="b">
-                    <a:lnL>
-                      <a:noFill/>
-                    </a:lnL>
-                    <a:lnR>
-                      <a:noFill/>
-                    </a:lnR>
-                    <a:lnT>
-                      <a:noFill/>
-                    </a:lnT>
-                    <a:lnB>
-                      <a:noFill/>
-                    </a:lnB>
-                  </a:tcPr>
-                </a:tc>
-                <a:extLst>
-                  <a:ext uri="{0D108BD9-81ED-4DB2-BD59-A6C34878D82A}">
-                    <a16:rowId xmlns:a16="http://schemas.microsoft.com/office/drawing/2014/main" val="3724904776"/>
-                  </a:ext>
-                </a:extLst>
-              </a:tr>
-            </a:tbl>
-          </a:graphicData>
-        </a:graphic>
-      </p:graphicFrame>
     </p:spTree>
     <p:extLst>
       <p:ext uri="{BB962C8B-B14F-4D97-AF65-F5344CB8AC3E}">
@@ -19800,7 +20072,7 @@
                   <a:srgbClr val="C00000"/>
                 </a:solidFill>
               </a:rPr>
-              <a:t>Prior.csv </a:t>
+              <a:t>Parameter_Priors.csv </a:t>
             </a:r>
             <a:r>
               <a:rPr lang="en-US" sz="1400" dirty="0">
@@ -19865,313 +20137,12 @@
           </a:p>
         </p:txBody>
       </p:sp>
-      <p:sp>
-        <p:nvSpPr>
-          <p:cNvPr id="12" name="TextBox 11">
+      <p:graphicFrame>
+        <p:nvGraphicFramePr>
+          <p:cNvPr id="14" name="Table 13">
             <a:extLst>
               <a:ext uri="{FF2B5EF4-FFF2-40B4-BE49-F238E27FC236}">
-                <a16:creationId xmlns:a16="http://schemas.microsoft.com/office/drawing/2014/main" id="{C5F5AF15-2CDE-4C32-8192-959864FAC57B}"/>
-              </a:ext>
-            </a:extLst>
-          </p:cNvPr>
-          <p:cNvSpPr txBox="1"/>
-          <p:nvPr/>
-        </p:nvSpPr>
-        <p:spPr>
-          <a:xfrm>
-            <a:off x="3908455" y="5200012"/>
-            <a:ext cx="3079689" cy="307777"/>
-          </a:xfrm>
-          <a:prstGeom prst="rect">
-            <a:avLst/>
-          </a:prstGeom>
-          <a:noFill/>
-        </p:spPr>
-        <p:txBody>
-          <a:bodyPr wrap="none" rtlCol="0">
-            <a:spAutoFit/>
-          </a:bodyPr>
-          <a:lstStyle/>
-          <a:p>
-            <a:r>
-              <a:rPr lang="en-US" sz="1400" dirty="0">
-                <a:solidFill>
-                  <a:srgbClr val="000000"/>
-                </a:solidFill>
-              </a:rPr>
-              <a:t>Change the distribution accordingly</a:t>
-            </a:r>
-          </a:p>
-        </p:txBody>
-      </p:sp>
-      <p:sp>
-        <p:nvSpPr>
-          <p:cNvPr id="13" name="Rectangle 12">
-            <a:extLst>
-              <a:ext uri="{FF2B5EF4-FFF2-40B4-BE49-F238E27FC236}">
-                <a16:creationId xmlns:a16="http://schemas.microsoft.com/office/drawing/2014/main" id="{79146D9B-7ADC-4E03-9C6B-8E364D438AB7}"/>
-              </a:ext>
-            </a:extLst>
-          </p:cNvPr>
-          <p:cNvSpPr/>
-          <p:nvPr/>
-        </p:nvSpPr>
-        <p:spPr bwMode="auto">
-          <a:xfrm>
-            <a:off x="4953000" y="3585129"/>
-            <a:ext cx="990600" cy="758271"/>
-          </a:xfrm>
-          <a:prstGeom prst="rect">
-            <a:avLst/>
-          </a:prstGeom>
-          <a:noFill/>
-          <a:ln w="19050" cap="flat" cmpd="sng" algn="ctr">
-            <a:solidFill>
-              <a:srgbClr val="C00000"/>
-            </a:solidFill>
-            <a:prstDash val="solid"/>
-            <a:round/>
-            <a:headEnd type="none" w="med" len="med"/>
-            <a:tailEnd type="none" w="med" len="med"/>
-          </a:ln>
-          <a:effectLst/>
-        </p:spPr>
-        <p:txBody>
-          <a:bodyPr vert="horz" wrap="square" lIns="91440" tIns="45720" rIns="91440" bIns="45720" numCol="1" rtlCol="0" anchor="t" anchorCtr="0" compatLnSpc="1">
-            <a:prstTxWarp prst="textNoShape">
-              <a:avLst/>
-            </a:prstTxWarp>
-          </a:bodyPr>
-          <a:lstStyle/>
-          <a:p>
-            <a:pPr marL="0" marR="0" indent="0" algn="l" defTabSz="914400" rtl="0" eaLnBrk="1" fontAlgn="base" latinLnBrk="0" hangingPunct="1">
-              <a:lnSpc>
-                <a:spcPct val="100000"/>
-              </a:lnSpc>
-              <a:spcBef>
-                <a:spcPct val="0"/>
-              </a:spcBef>
-              <a:spcAft>
-                <a:spcPct val="0"/>
-              </a:spcAft>
-              <a:buClrTx/>
-              <a:buSzTx/>
-              <a:buFontTx/>
-              <a:buNone/>
-              <a:tabLst/>
-            </a:pPr>
-            <a:endParaRPr kumimoji="0" lang="en-US" sz="1800" b="0" i="0" u="none" strike="noStrike" cap="none" normalizeH="0" baseline="0">
-              <a:ln>
-                <a:noFill/>
-              </a:ln>
-              <a:solidFill>
-                <a:srgbClr val="C00000"/>
-              </a:solidFill>
-              <a:effectLst/>
-              <a:latin typeface="Calibri" pitchFamily="34" charset="0"/>
-            </a:endParaRPr>
-          </a:p>
-        </p:txBody>
-      </p:sp>
-      <p:cxnSp>
-        <p:nvCxnSpPr>
-          <p:cNvPr id="15" name="Straight Arrow Connector 14">
-            <a:extLst>
-              <a:ext uri="{FF2B5EF4-FFF2-40B4-BE49-F238E27FC236}">
-                <a16:creationId xmlns:a16="http://schemas.microsoft.com/office/drawing/2014/main" id="{C3417CDB-5AA4-430B-AF52-BCFCD47142F2}"/>
-              </a:ext>
-            </a:extLst>
-          </p:cNvPr>
-          <p:cNvCxnSpPr>
-            <a:cxnSpLocks/>
-            <a:stCxn id="12" idx="0"/>
-            <a:endCxn id="13" idx="2"/>
-          </p:cNvCxnSpPr>
-          <p:nvPr/>
-        </p:nvCxnSpPr>
-        <p:spPr bwMode="auto">
-          <a:xfrm flipV="1">
-            <a:off x="5448300" y="4343400"/>
-            <a:ext cx="0" cy="856612"/>
-          </a:xfrm>
-          <a:prstGeom prst="straightConnector1">
-            <a:avLst/>
-          </a:prstGeom>
-          <a:noFill/>
-          <a:ln w="9525" cap="flat" cmpd="sng" algn="ctr">
-            <a:solidFill>
-              <a:schemeClr val="bg2">
-                <a:lumMod val="10000"/>
-              </a:schemeClr>
-            </a:solidFill>
-            <a:prstDash val="solid"/>
-            <a:round/>
-            <a:headEnd type="none" w="med" len="med"/>
-            <a:tailEnd type="triangle"/>
-          </a:ln>
-          <a:effectLst/>
-        </p:spPr>
-      </p:cxnSp>
-      <p:sp>
-        <p:nvSpPr>
-          <p:cNvPr id="25" name="Rectangle 24">
-            <a:extLst>
-              <a:ext uri="{FF2B5EF4-FFF2-40B4-BE49-F238E27FC236}">
-                <a16:creationId xmlns:a16="http://schemas.microsoft.com/office/drawing/2014/main" id="{2F93C37C-F7A8-4537-AF2A-D1772A4881EC}"/>
-              </a:ext>
-            </a:extLst>
-          </p:cNvPr>
-          <p:cNvSpPr/>
-          <p:nvPr/>
-        </p:nvSpPr>
-        <p:spPr bwMode="auto">
-          <a:xfrm>
-            <a:off x="6019800" y="3581400"/>
-            <a:ext cx="2514597" cy="758271"/>
-          </a:xfrm>
-          <a:prstGeom prst="rect">
-            <a:avLst/>
-          </a:prstGeom>
-          <a:noFill/>
-          <a:ln w="19050" cap="flat" cmpd="sng" algn="ctr">
-            <a:solidFill>
-              <a:srgbClr val="C00000"/>
-            </a:solidFill>
-            <a:prstDash val="solid"/>
-            <a:round/>
-            <a:headEnd type="none" w="med" len="med"/>
-            <a:tailEnd type="none" w="med" len="med"/>
-          </a:ln>
-          <a:effectLst/>
-        </p:spPr>
-        <p:txBody>
-          <a:bodyPr vert="horz" wrap="square" lIns="91440" tIns="45720" rIns="91440" bIns="45720" numCol="1" rtlCol="0" anchor="t" anchorCtr="0" compatLnSpc="1">
-            <a:prstTxWarp prst="textNoShape">
-              <a:avLst/>
-            </a:prstTxWarp>
-          </a:bodyPr>
-          <a:lstStyle/>
-          <a:p>
-            <a:pPr marL="0" marR="0" indent="0" algn="l" defTabSz="914400" rtl="0" eaLnBrk="1" fontAlgn="base" latinLnBrk="0" hangingPunct="1">
-              <a:lnSpc>
-                <a:spcPct val="100000"/>
-              </a:lnSpc>
-              <a:spcBef>
-                <a:spcPct val="0"/>
-              </a:spcBef>
-              <a:spcAft>
-                <a:spcPct val="0"/>
-              </a:spcAft>
-              <a:buClrTx/>
-              <a:buSzTx/>
-              <a:buFontTx/>
-              <a:buNone/>
-              <a:tabLst/>
-            </a:pPr>
-            <a:endParaRPr kumimoji="0" lang="en-US" sz="1800" b="0" i="0" u="none" strike="noStrike" cap="none" normalizeH="0" baseline="0">
-              <a:ln>
-                <a:noFill/>
-              </a:ln>
-              <a:solidFill>
-                <a:srgbClr val="C00000"/>
-              </a:solidFill>
-              <a:effectLst/>
-              <a:latin typeface="Calibri" pitchFamily="34" charset="0"/>
-            </a:endParaRPr>
-          </a:p>
-        </p:txBody>
-      </p:sp>
-      <p:sp>
-        <p:nvSpPr>
-          <p:cNvPr id="26" name="Rectangle 25">
-            <a:extLst>
-              <a:ext uri="{FF2B5EF4-FFF2-40B4-BE49-F238E27FC236}">
-                <a16:creationId xmlns:a16="http://schemas.microsoft.com/office/drawing/2014/main" id="{4EF66B05-66DC-4C2F-8646-6251A88F02F4}"/>
-              </a:ext>
-            </a:extLst>
-          </p:cNvPr>
-          <p:cNvSpPr/>
-          <p:nvPr/>
-        </p:nvSpPr>
-        <p:spPr>
-          <a:xfrm>
-            <a:off x="5777329" y="5803901"/>
-            <a:ext cx="2999539" cy="307777"/>
-          </a:xfrm>
-          <a:prstGeom prst="rect">
-            <a:avLst/>
-          </a:prstGeom>
-        </p:spPr>
-        <p:txBody>
-          <a:bodyPr wrap="none">
-            <a:spAutoFit/>
-          </a:bodyPr>
-          <a:lstStyle/>
-          <a:p>
-            <a:r>
-              <a:rPr lang="en-US" sz="1400" kern="0" dirty="0">
-                <a:solidFill>
-                  <a:srgbClr val="000000"/>
-                </a:solidFill>
-              </a:rPr>
-              <a:t>Assign </a:t>
-            </a:r>
-            <a:r>
-              <a:rPr lang="en-US" sz="1400" dirty="0">
-                <a:solidFill>
-                  <a:srgbClr val="000000"/>
-                </a:solidFill>
-              </a:rPr>
-              <a:t>prior distribution parameters</a:t>
-            </a:r>
-          </a:p>
-        </p:txBody>
-      </p:sp>
-      <p:cxnSp>
-        <p:nvCxnSpPr>
-          <p:cNvPr id="27" name="Straight Arrow Connector 26">
-            <a:extLst>
-              <a:ext uri="{FF2B5EF4-FFF2-40B4-BE49-F238E27FC236}">
-                <a16:creationId xmlns:a16="http://schemas.microsoft.com/office/drawing/2014/main" id="{5EDA434C-BB75-47BD-B207-15FC40C69E04}"/>
-              </a:ext>
-            </a:extLst>
-          </p:cNvPr>
-          <p:cNvCxnSpPr>
-            <a:cxnSpLocks/>
-            <a:stCxn id="26" idx="0"/>
-            <a:endCxn id="25" idx="2"/>
-          </p:cNvCxnSpPr>
-          <p:nvPr/>
-        </p:nvCxnSpPr>
-        <p:spPr bwMode="auto">
-          <a:xfrm flipV="1">
-            <a:off x="7277099" y="4339671"/>
-            <a:ext cx="0" cy="1464230"/>
-          </a:xfrm>
-          <a:prstGeom prst="straightConnector1">
-            <a:avLst/>
-          </a:prstGeom>
-          <a:noFill/>
-          <a:ln w="9525" cap="flat" cmpd="sng" algn="ctr">
-            <a:solidFill>
-              <a:schemeClr val="bg2">
-                <a:lumMod val="10000"/>
-              </a:schemeClr>
-            </a:solidFill>
-            <a:prstDash val="solid"/>
-            <a:round/>
-            <a:headEnd type="none" w="med" len="med"/>
-            <a:tailEnd type="triangle"/>
-          </a:ln>
-          <a:effectLst/>
-        </p:spPr>
-      </p:cxnSp>
-      <p:graphicFrame>
-        <p:nvGraphicFramePr>
-          <p:cNvPr id="5" name="Table 4">
-            <a:extLst>
-              <a:ext uri="{FF2B5EF4-FFF2-40B4-BE49-F238E27FC236}">
-                <a16:creationId xmlns:a16="http://schemas.microsoft.com/office/drawing/2014/main" id="{A6136104-DF31-4739-B28B-C373E9E4A8E4}"/>
+                <a16:creationId xmlns:a16="http://schemas.microsoft.com/office/drawing/2014/main" id="{403475E7-9A4A-4EA4-918E-3518BF772AA3}"/>
               </a:ext>
             </a:extLst>
           </p:cNvPr>
@@ -20181,14 +20152,14 @@
           <p:nvPr>
             <p:extLst>
               <p:ext uri="{D42A27DB-BD31-4B8C-83A1-F6EECF244321}">
-                <p14:modId xmlns:p14="http://schemas.microsoft.com/office/powerpoint/2010/main" val="1033175810"/>
+                <p14:modId xmlns:p14="http://schemas.microsoft.com/office/powerpoint/2010/main" val="2754578795"/>
               </p:ext>
             </p:extLst>
           </p:nvPr>
         </p:nvGraphicFramePr>
         <p:xfrm>
-          <a:off x="152400" y="3429000"/>
-          <a:ext cx="8229599" cy="825250"/>
+          <a:off x="152400" y="3333262"/>
+          <a:ext cx="8229599" cy="990300"/>
         </p:xfrm>
         <a:graphic>
           <a:graphicData uri="http://schemas.openxmlformats.org/drawingml/2006/table">
@@ -20198,56 +20169,56 @@
                 <a:gridCol w="2533066">
                   <a:extLst>
                     <a:ext uri="{9D8B030D-6E8A-4147-A177-3AD203B41FA5}">
-                      <a16:colId xmlns:a16="http://schemas.microsoft.com/office/drawing/2014/main" val="350429878"/>
+                      <a16:colId xmlns:a16="http://schemas.microsoft.com/office/drawing/2014/main" val="1594655470"/>
                     </a:ext>
                   </a:extLst>
                 </a:gridCol>
                 <a:gridCol w="1111798">
                   <a:extLst>
                     <a:ext uri="{9D8B030D-6E8A-4147-A177-3AD203B41FA5}">
-                      <a16:colId xmlns:a16="http://schemas.microsoft.com/office/drawing/2014/main" val="1188958284"/>
+                      <a16:colId xmlns:a16="http://schemas.microsoft.com/office/drawing/2014/main" val="3175602916"/>
                     </a:ext>
                   </a:extLst>
                 </a:gridCol>
                 <a:gridCol w="1180569">
                   <a:extLst>
                     <a:ext uri="{9D8B030D-6E8A-4147-A177-3AD203B41FA5}">
-                      <a16:colId xmlns:a16="http://schemas.microsoft.com/office/drawing/2014/main" val="1881257177"/>
+                      <a16:colId xmlns:a16="http://schemas.microsoft.com/office/drawing/2014/main" val="1875164654"/>
                     </a:ext>
                   </a:extLst>
                 </a:gridCol>
                 <a:gridCol w="939871">
                   <a:extLst>
                     <a:ext uri="{9D8B030D-6E8A-4147-A177-3AD203B41FA5}">
-                      <a16:colId xmlns:a16="http://schemas.microsoft.com/office/drawing/2014/main" val="2807696784"/>
+                      <a16:colId xmlns:a16="http://schemas.microsoft.com/office/drawing/2014/main" val="1040717010"/>
                     </a:ext>
                   </a:extLst>
                 </a:gridCol>
                 <a:gridCol w="813791">
                   <a:extLst>
                     <a:ext uri="{9D8B030D-6E8A-4147-A177-3AD203B41FA5}">
-                      <a16:colId xmlns:a16="http://schemas.microsoft.com/office/drawing/2014/main" val="3248268891"/>
+                      <a16:colId xmlns:a16="http://schemas.microsoft.com/office/drawing/2014/main" val="1961329927"/>
                     </a:ext>
                   </a:extLst>
                 </a:gridCol>
                 <a:gridCol w="550168">
                   <a:extLst>
                     <a:ext uri="{9D8B030D-6E8A-4147-A177-3AD203B41FA5}">
-                      <a16:colId xmlns:a16="http://schemas.microsoft.com/office/drawing/2014/main" val="1484004907"/>
+                      <a16:colId xmlns:a16="http://schemas.microsoft.com/office/drawing/2014/main" val="1796319276"/>
                     </a:ext>
                   </a:extLst>
                 </a:gridCol>
                 <a:gridCol w="550168">
                   <a:extLst>
                     <a:ext uri="{9D8B030D-6E8A-4147-A177-3AD203B41FA5}">
-                      <a16:colId xmlns:a16="http://schemas.microsoft.com/office/drawing/2014/main" val="574391563"/>
+                      <a16:colId xmlns:a16="http://schemas.microsoft.com/office/drawing/2014/main" val="1881563303"/>
                     </a:ext>
                   </a:extLst>
                 </a:gridCol>
                 <a:gridCol w="550168">
                   <a:extLst>
                     <a:ext uri="{9D8B030D-6E8A-4147-A177-3AD203B41FA5}">
-                      <a16:colId xmlns:a16="http://schemas.microsoft.com/office/drawing/2014/main" val="1997580849"/>
+                      <a16:colId xmlns:a16="http://schemas.microsoft.com/office/drawing/2014/main" val="38392976"/>
                     </a:ext>
                   </a:extLst>
                 </a:gridCol>
@@ -20260,7 +20231,7 @@
                     <a:p>
                       <a:pPr algn="l" fontAlgn="b"/>
                       <a:r>
-                        <a:rPr lang="en-US" sz="1000" b="0" i="0" u="none" strike="noStrike">
+                        <a:rPr lang="en-US" sz="1000" b="0" i="0" u="none" strike="noStrike" dirty="0">
                           <a:solidFill>
                             <a:srgbClr val="000000"/>
                           </a:solidFill>
@@ -20519,7 +20490,7 @@
                 </a:tc>
                 <a:extLst>
                   <a:ext uri="{0D108BD9-81ED-4DB2-BD59-A6C34878D82A}">
-                    <a16:rowId xmlns:a16="http://schemas.microsoft.com/office/drawing/2014/main" val="1128318111"/>
+                    <a16:rowId xmlns:a16="http://schemas.microsoft.com/office/drawing/2014/main" val="1467340810"/>
                   </a:ext>
                 </a:extLst>
               </a:tr>
@@ -20531,7 +20502,7 @@
                     <a:p>
                       <a:pPr algn="l" fontAlgn="b"/>
                       <a:r>
-                        <a:rPr lang="en-US" sz="1000" b="0" i="0" u="none" strike="noStrike">
+                        <a:rPr lang="en-US" sz="1000" b="0" i="0" u="none" strike="noStrike" dirty="0">
                           <a:solidFill>
                             <a:srgbClr val="000000"/>
                           </a:solidFill>
@@ -20627,7 +20598,7 @@
                     <a:p>
                       <a:pPr algn="l" fontAlgn="b"/>
                       <a:r>
-                        <a:rPr lang="en-US" sz="1000" b="0" i="0" u="none" strike="noStrike">
+                        <a:rPr lang="en-US" sz="1000" b="0" i="0" u="none" strike="noStrike" dirty="0">
                           <a:solidFill>
                             <a:srgbClr val="000000"/>
                           </a:solidFill>
@@ -20660,7 +20631,7 @@
                     <a:p>
                       <a:pPr algn="r" fontAlgn="b"/>
                       <a:r>
-                        <a:rPr lang="en-US" sz="1000" b="0" i="0" u="none" strike="noStrike">
+                        <a:rPr lang="en-US" sz="1000" b="0" i="0" u="none" strike="noStrike" dirty="0">
                           <a:solidFill>
                             <a:srgbClr val="000000"/>
                           </a:solidFill>
@@ -20756,7 +20727,7 @@
                     <a:p>
                       <a:pPr algn="r" fontAlgn="b"/>
                       <a:r>
-                        <a:rPr lang="en-US" sz="1000" b="0" i="0" u="none" strike="noStrike">
+                        <a:rPr lang="en-US" sz="1000" b="0" i="0" u="none" strike="noStrike" dirty="0">
                           <a:solidFill>
                             <a:srgbClr val="000000"/>
                           </a:solidFill>
@@ -20784,7 +20755,7 @@
                 </a:tc>
                 <a:extLst>
                   <a:ext uri="{0D108BD9-81ED-4DB2-BD59-A6C34878D82A}">
-                    <a16:rowId xmlns:a16="http://schemas.microsoft.com/office/drawing/2014/main" val="793168431"/>
+                    <a16:rowId xmlns:a16="http://schemas.microsoft.com/office/drawing/2014/main" val="4218968848"/>
                   </a:ext>
                 </a:extLst>
               </a:tr>
@@ -20895,7 +20866,7 @@
                     <a:p>
                       <a:pPr algn="l" fontAlgn="b"/>
                       <a:r>
-                        <a:rPr lang="en-US" sz="1000" b="0" i="0" u="none" strike="noStrike">
+                        <a:rPr lang="en-US" sz="1000" b="0" i="0" u="none" strike="noStrike" dirty="0">
                           <a:solidFill>
                             <a:srgbClr val="000000"/>
                           </a:solidFill>
@@ -20928,18 +20899,20 @@
                     <a:p>
                       <a:pPr algn="r" fontAlgn="b"/>
                       <a:r>
-                        <a:rPr lang="en-US" sz="1000" b="0" i="0" u="none" strike="noStrike">
+                        <a:rPr lang="en-US" sz="1000" b="0" i="0" u="none" strike="noStrike" kern="1200" dirty="0">
                           <a:solidFill>
                             <a:srgbClr val="000000"/>
                           </a:solidFill>
                           <a:effectLst/>
                           <a:latin typeface="Calibri" panose="020F0502020204030204" pitchFamily="34" charset="0"/>
+                          <a:ea typeface="+mn-ea"/>
+                          <a:cs typeface="+mn-cs"/>
                         </a:rPr>
-                        <a:t>15.17433543</a:t>
+                        <a:t>15.17434</a:t>
                       </a:r>
                     </a:p>
                   </a:txBody>
-                  <a:tcPr marL="6877" marR="6877" marT="6877" marB="0" anchor="b">
+                  <a:tcPr marL="7620" marR="7620" marT="7620" marB="0" anchor="b">
                     <a:lnL>
                       <a:noFill/>
                     </a:lnL>
@@ -20961,18 +20934,20 @@
                     <a:p>
                       <a:pPr algn="r" fontAlgn="b"/>
                       <a:r>
-                        <a:rPr lang="en-US" sz="1000" b="0" i="0" u="none" strike="noStrike">
+                        <a:rPr lang="en-US" sz="1000" b="0" i="0" u="none" strike="noStrike" kern="1200" dirty="0">
                           <a:solidFill>
                             <a:srgbClr val="000000"/>
                           </a:solidFill>
                           <a:effectLst/>
                           <a:latin typeface="Calibri" panose="020F0502020204030204" pitchFamily="34" charset="0"/>
+                          <a:ea typeface="+mn-ea"/>
+                          <a:cs typeface="+mn-cs"/>
                         </a:rPr>
-                        <a:t>7.587168</a:t>
+                        <a:t>7.58716</a:t>
                       </a:r>
                     </a:p>
                   </a:txBody>
-                  <a:tcPr marL="6877" marR="6877" marT="6877" marB="0" anchor="b">
+                  <a:tcPr marL="7620" marR="7620" marT="7620" marB="0" anchor="b">
                     <a:lnL>
                       <a:noFill/>
                     </a:lnL>
@@ -21055,7 +21030,7 @@
                 </a:tc>
                 <a:extLst>
                   <a:ext uri="{0D108BD9-81ED-4DB2-BD59-A6C34878D82A}">
-                    <a16:rowId xmlns:a16="http://schemas.microsoft.com/office/drawing/2014/main" val="2873237279"/>
+                    <a16:rowId xmlns:a16="http://schemas.microsoft.com/office/drawing/2014/main" val="3336877815"/>
                   </a:ext>
                 </a:extLst>
               </a:tr>
@@ -21067,7 +21042,7 @@
                     <a:p>
                       <a:pPr algn="l" fontAlgn="b"/>
                       <a:r>
-                        <a:rPr lang="en-US" sz="1000" b="0" i="0" u="none" strike="noStrike">
+                        <a:rPr lang="en-US" sz="1000" b="0" i="0" u="none" strike="noStrike" dirty="0" err="1">
                           <a:solidFill>
                             <a:srgbClr val="000000"/>
                           </a:solidFill>
@@ -21076,6 +21051,13 @@
                         </a:rPr>
                         <a:t>PlugLoad_WattsPerSpaceFloorArea</a:t>
                       </a:r>
+                      <a:endParaRPr lang="en-US" sz="1000" b="0" i="0" u="none" strike="noStrike" dirty="0">
+                        <a:solidFill>
+                          <a:srgbClr val="000000"/>
+                        </a:solidFill>
+                        <a:effectLst/>
+                        <a:latin typeface="Calibri" panose="020F0502020204030204" pitchFamily="34" charset="0"/>
+                      </a:endParaRPr>
                     </a:p>
                   </a:txBody>
                   <a:tcPr marL="6877" marR="6877" marT="6877" marB="0" anchor="b">
@@ -21166,15 +21148,29 @@
                     <a:p>
                       <a:pPr algn="l" fontAlgn="b"/>
                       <a:r>
-                        <a:rPr lang="en-US" sz="1000" b="0" i="0" u="none" strike="noStrike">
+                        <a:rPr kumimoji="0" lang="en-US" sz="1000" b="0" i="0" u="none" strike="noStrike" kern="1200" cap="none" spc="0" normalizeH="0" baseline="0" noProof="0">
+                          <a:ln>
+                            <a:noFill/>
+                          </a:ln>
                           <a:solidFill>
                             <a:srgbClr val="000000"/>
                           </a:solidFill>
                           <a:effectLst/>
+                          <a:uLnTx/>
+                          <a:uFillTx/>
                           <a:latin typeface="Calibri" panose="020F0502020204030204" pitchFamily="34" charset="0"/>
+                          <a:ea typeface="+mn-ea"/>
+                          <a:cs typeface="+mn-cs"/>
                         </a:rPr>
                         <a:t>Normal Absolute</a:t>
                       </a:r>
+                      <a:endParaRPr lang="en-US" sz="1000" b="0" i="0" u="none" strike="noStrike" dirty="0">
+                        <a:solidFill>
+                          <a:srgbClr val="000000"/>
+                        </a:solidFill>
+                        <a:effectLst/>
+                        <a:latin typeface="Calibri" panose="020F0502020204030204" pitchFamily="34" charset="0"/>
+                      </a:endParaRPr>
                     </a:p>
                   </a:txBody>
                   <a:tcPr marL="6877" marR="6877" marT="6877" marB="0" anchor="b">
@@ -21199,18 +21195,20 @@
                     <a:p>
                       <a:pPr algn="r" fontAlgn="b"/>
                       <a:r>
-                        <a:rPr lang="en-US" sz="1000" b="0" i="0" u="none" strike="noStrike">
+                        <a:rPr lang="en-US" sz="1000" b="0" i="0" u="none" strike="noStrike" kern="1200" dirty="0">
                           <a:solidFill>
                             <a:srgbClr val="000000"/>
                           </a:solidFill>
                           <a:effectLst/>
                           <a:latin typeface="Calibri" panose="020F0502020204030204" pitchFamily="34" charset="0"/>
+                          <a:ea typeface="+mn-ea"/>
+                          <a:cs typeface="+mn-cs"/>
                         </a:rPr>
-                        <a:t>8.072932813</a:t>
+                        <a:t>8.072933</a:t>
                       </a:r>
                     </a:p>
                   </a:txBody>
-                  <a:tcPr marL="6877" marR="6877" marT="6877" marB="0" anchor="b">
+                  <a:tcPr marL="7620" marR="7620" marT="7620" marB="0" anchor="b">
                     <a:lnL>
                       <a:noFill/>
                     </a:lnL>
@@ -21232,18 +21230,20 @@
                     <a:p>
                       <a:pPr algn="r" fontAlgn="b"/>
                       <a:r>
-                        <a:rPr lang="en-US" sz="1000" b="0" i="0" u="none" strike="noStrike">
+                        <a:rPr lang="en-US" sz="1000" b="0" i="0" u="none" strike="noStrike" kern="1200" dirty="0">
                           <a:solidFill>
                             <a:srgbClr val="000000"/>
                           </a:solidFill>
                           <a:effectLst/>
                           <a:latin typeface="Calibri" panose="020F0502020204030204" pitchFamily="34" charset="0"/>
+                          <a:ea typeface="+mn-ea"/>
+                          <a:cs typeface="+mn-cs"/>
                         </a:rPr>
-                        <a:t>4.036466</a:t>
+                        <a:t>4.03646</a:t>
                       </a:r>
                     </a:p>
                   </a:txBody>
-                  <a:tcPr marL="6877" marR="6877" marT="6877" marB="0" anchor="b">
+                  <a:tcPr marL="7620" marR="7620" marT="7620" marB="0" anchor="b">
                     <a:lnL>
                       <a:noFill/>
                     </a:lnL>
@@ -21326,7 +21326,7 @@
                 </a:tc>
                 <a:extLst>
                   <a:ext uri="{0D108BD9-81ED-4DB2-BD59-A6C34878D82A}">
-                    <a16:rowId xmlns:a16="http://schemas.microsoft.com/office/drawing/2014/main" val="4032062133"/>
+                    <a16:rowId xmlns:a16="http://schemas.microsoft.com/office/drawing/2014/main" val="2243944014"/>
                   </a:ext>
                 </a:extLst>
               </a:tr>
@@ -21437,15 +21437,29 @@
                     <a:p>
                       <a:pPr algn="l" fontAlgn="b"/>
                       <a:r>
-                        <a:rPr lang="en-US" sz="1000" b="0" i="0" u="none" strike="noStrike">
+                        <a:rPr kumimoji="0" lang="en-US" sz="1000" b="0" i="0" u="none" strike="noStrike" kern="1200" cap="none" spc="0" normalizeH="0" baseline="0" noProof="0">
+                          <a:ln>
+                            <a:noFill/>
+                          </a:ln>
                           <a:solidFill>
                             <a:srgbClr val="000000"/>
                           </a:solidFill>
                           <a:effectLst/>
+                          <a:uLnTx/>
+                          <a:uFillTx/>
                           <a:latin typeface="Calibri" panose="020F0502020204030204" pitchFamily="34" charset="0"/>
+                          <a:ea typeface="+mn-ea"/>
+                          <a:cs typeface="+mn-cs"/>
                         </a:rPr>
                         <a:t>Normal Absolute</a:t>
                       </a:r>
+                      <a:endParaRPr lang="en-US" sz="1000" b="0" i="0" u="none" strike="noStrike">
+                        <a:solidFill>
+                          <a:srgbClr val="000000"/>
+                        </a:solidFill>
+                        <a:effectLst/>
+                        <a:latin typeface="Calibri" panose="020F0502020204030204" pitchFamily="34" charset="0"/>
+                      </a:endParaRPr>
                     </a:p>
                   </a:txBody>
                   <a:tcPr marL="6877" marR="6877" marT="6877" marB="0" anchor="b">
@@ -21470,18 +21484,20 @@
                     <a:p>
                       <a:pPr algn="r" fontAlgn="b"/>
                       <a:r>
-                        <a:rPr lang="en-US" sz="1000" b="0" i="0" u="none" strike="noStrike">
+                        <a:rPr lang="en-US" sz="1000" b="0" i="0" u="none" strike="noStrike" kern="1200" dirty="0">
                           <a:solidFill>
                             <a:srgbClr val="000000"/>
                           </a:solidFill>
                           <a:effectLst/>
                           <a:latin typeface="Calibri" panose="020F0502020204030204" pitchFamily="34" charset="0"/>
+                          <a:ea typeface="+mn-ea"/>
+                          <a:cs typeface="+mn-cs"/>
                         </a:rPr>
-                        <a:t>18.58060872</a:t>
+                        <a:t>18.58061</a:t>
                       </a:r>
                     </a:p>
                   </a:txBody>
-                  <a:tcPr marL="6877" marR="6877" marT="6877" marB="0" anchor="b">
+                  <a:tcPr marL="7620" marR="7620" marT="7620" marB="0" anchor="b">
                     <a:lnL>
                       <a:noFill/>
                     </a:lnL>
@@ -21503,18 +21519,20 @@
                     <a:p>
                       <a:pPr algn="r" fontAlgn="b"/>
                       <a:r>
-                        <a:rPr lang="en-US" sz="1000" b="0" i="0" u="none" strike="noStrike">
+                        <a:rPr lang="en-US" sz="1000" b="0" i="0" u="none" strike="noStrike" kern="1200" dirty="0">
                           <a:solidFill>
                             <a:srgbClr val="000000"/>
                           </a:solidFill>
                           <a:effectLst/>
                           <a:latin typeface="Calibri" panose="020F0502020204030204" pitchFamily="34" charset="0"/>
+                          <a:ea typeface="+mn-ea"/>
+                          <a:cs typeface="+mn-cs"/>
                         </a:rPr>
-                        <a:t>9.290304</a:t>
+                        <a:t>9.29030</a:t>
                       </a:r>
                     </a:p>
                   </a:txBody>
-                  <a:tcPr marL="6877" marR="6877" marT="6877" marB="0" anchor="b">
+                  <a:tcPr marL="7620" marR="7620" marT="7620" marB="0" anchor="b">
                     <a:lnL>
                       <a:noFill/>
                     </a:lnL>
@@ -21569,7 +21587,7 @@
                     <a:p>
                       <a:pPr algn="r" fontAlgn="b"/>
                       <a:r>
-                        <a:rPr lang="en-US" sz="1000" b="0" i="0" u="none" strike="noStrike" dirty="0">
+                        <a:rPr lang="en-US" sz="1000" b="0" i="0" u="none" strike="noStrike">
                           <a:solidFill>
                             <a:srgbClr val="000000"/>
                           </a:solidFill>
@@ -21597,7 +21615,296 @@
                 </a:tc>
                 <a:extLst>
                   <a:ext uri="{0D108BD9-81ED-4DB2-BD59-A6C34878D82A}">
-                    <a16:rowId xmlns:a16="http://schemas.microsoft.com/office/drawing/2014/main" val="2052148245"/>
+                    <a16:rowId xmlns:a16="http://schemas.microsoft.com/office/drawing/2014/main" val="3469428031"/>
+                  </a:ext>
+                </a:extLst>
+              </a:tr>
+              <a:tr h="165050">
+                <a:tc>
+                  <a:txBody>
+                    <a:bodyPr/>
+                    <a:lstStyle/>
+                    <a:p>
+                      <a:pPr algn="l" fontAlgn="b"/>
+                      <a:r>
+                        <a:rPr lang="en-US" sz="1000" b="0" i="0" u="none" strike="noStrike">
+                          <a:solidFill>
+                            <a:srgbClr val="000000"/>
+                          </a:solidFill>
+                          <a:effectLst/>
+                          <a:latin typeface="Calibri" panose="020F0502020204030204" pitchFamily="34" charset="0"/>
+                        </a:rPr>
+                        <a:t>DesignSpecificOutdoorAirFlowPerZoneFloorArea</a:t>
+                      </a:r>
+                    </a:p>
+                  </a:txBody>
+                  <a:tcPr marL="6877" marR="6877" marT="6877" marB="0" anchor="b">
+                    <a:lnL>
+                      <a:noFill/>
+                    </a:lnL>
+                    <a:lnR>
+                      <a:noFill/>
+                    </a:lnR>
+                    <a:lnT>
+                      <a:noFill/>
+                    </a:lnT>
+                    <a:lnB>
+                      <a:noFill/>
+                    </a:lnB>
+                  </a:tcPr>
+                </a:tc>
+                <a:tc>
+                  <a:txBody>
+                    <a:bodyPr/>
+                    <a:lstStyle/>
+                    <a:p>
+                      <a:pPr algn="l" fontAlgn="b"/>
+                      <a:r>
+                        <a:rPr lang="en-US" sz="1000" b="0" i="0" u="none" strike="noStrike">
+                          <a:solidFill>
+                            <a:srgbClr val="000000"/>
+                          </a:solidFill>
+                          <a:effectLst/>
+                          <a:latin typeface="Calibri" panose="020F0502020204030204" pitchFamily="34" charset="0"/>
+                        </a:rPr>
+                        <a:t>Office_Outdoor_Air</a:t>
+                      </a:r>
+                    </a:p>
+                  </a:txBody>
+                  <a:tcPr marL="6877" marR="6877" marT="6877" marB="0" anchor="b">
+                    <a:lnL>
+                      <a:noFill/>
+                    </a:lnL>
+                    <a:lnR>
+                      <a:noFill/>
+                    </a:lnR>
+                    <a:lnT>
+                      <a:noFill/>
+                    </a:lnT>
+                    <a:lnB>
+                      <a:noFill/>
+                    </a:lnB>
+                  </a:tcPr>
+                </a:tc>
+                <a:tc>
+                  <a:txBody>
+                    <a:bodyPr/>
+                    <a:lstStyle/>
+                    <a:p>
+                      <a:pPr algn="r" fontAlgn="b"/>
+                      <a:r>
+                        <a:rPr lang="en-US" sz="1000" b="0" i="0" u="none" strike="noStrike">
+                          <a:solidFill>
+                            <a:srgbClr val="000000"/>
+                          </a:solidFill>
+                          <a:effectLst/>
+                          <a:latin typeface="Calibri" panose="020F0502020204030204" pitchFamily="34" charset="0"/>
+                        </a:rPr>
+                        <a:t>0.0004318</a:t>
+                      </a:r>
+                    </a:p>
+                  </a:txBody>
+                  <a:tcPr marL="6877" marR="6877" marT="6877" marB="0" anchor="b">
+                    <a:lnL>
+                      <a:noFill/>
+                    </a:lnL>
+                    <a:lnR>
+                      <a:noFill/>
+                    </a:lnR>
+                    <a:lnT>
+                      <a:noFill/>
+                    </a:lnT>
+                    <a:lnB>
+                      <a:noFill/>
+                    </a:lnB>
+                  </a:tcPr>
+                </a:tc>
+                <a:tc>
+                  <a:txBody>
+                    <a:bodyPr/>
+                    <a:lstStyle/>
+                    <a:p>
+                      <a:pPr algn="l" fontAlgn="b"/>
+                      <a:r>
+                        <a:rPr kumimoji="0" lang="en-US" sz="1000" b="0" i="0" u="none" strike="noStrike" kern="1200" cap="none" spc="0" normalizeH="0" baseline="0" noProof="0" dirty="0">
+                          <a:ln>
+                            <a:noFill/>
+                          </a:ln>
+                          <a:solidFill>
+                            <a:srgbClr val="000000"/>
+                          </a:solidFill>
+                          <a:effectLst/>
+                          <a:uLnTx/>
+                          <a:uFillTx/>
+                          <a:latin typeface="Calibri" panose="020F0502020204030204" pitchFamily="34" charset="0"/>
+                          <a:ea typeface="+mn-ea"/>
+                          <a:cs typeface="+mn-cs"/>
+                        </a:rPr>
+                        <a:t>Normal Absolute</a:t>
+                      </a:r>
+                      <a:endParaRPr lang="en-US" sz="1000" b="0" i="0" u="none" strike="noStrike" dirty="0">
+                        <a:solidFill>
+                          <a:srgbClr val="000000"/>
+                        </a:solidFill>
+                        <a:effectLst/>
+                        <a:latin typeface="Calibri" panose="020F0502020204030204" pitchFamily="34" charset="0"/>
+                      </a:endParaRPr>
+                    </a:p>
+                  </a:txBody>
+                  <a:tcPr marL="6877" marR="6877" marT="6877" marB="0" anchor="b">
+                    <a:lnL>
+                      <a:noFill/>
+                    </a:lnL>
+                    <a:lnR>
+                      <a:noFill/>
+                    </a:lnR>
+                    <a:lnT>
+                      <a:noFill/>
+                    </a:lnT>
+                    <a:lnB>
+                      <a:noFill/>
+                    </a:lnB>
+                  </a:tcPr>
+                </a:tc>
+                <a:tc>
+                  <a:txBody>
+                    <a:bodyPr/>
+                    <a:lstStyle/>
+                    <a:p>
+                      <a:pPr algn="r" fontAlgn="b"/>
+                      <a:r>
+                        <a:rPr lang="en-US" sz="1000" b="0" i="0" u="none" strike="noStrike" kern="1200">
+                          <a:solidFill>
+                            <a:srgbClr val="000000"/>
+                          </a:solidFill>
+                          <a:effectLst/>
+                          <a:latin typeface="Calibri" panose="020F0502020204030204" pitchFamily="34" charset="0"/>
+                          <a:ea typeface="+mn-ea"/>
+                          <a:cs typeface="+mn-cs"/>
+                        </a:rPr>
+                        <a:t>0.000432</a:t>
+                      </a:r>
+                    </a:p>
+                  </a:txBody>
+                  <a:tcPr marL="7620" marR="7620" marT="7620" marB="0" anchor="b">
+                    <a:lnL>
+                      <a:noFill/>
+                    </a:lnL>
+                    <a:lnR>
+                      <a:noFill/>
+                    </a:lnR>
+                    <a:lnT>
+                      <a:noFill/>
+                    </a:lnT>
+                    <a:lnB>
+                      <a:noFill/>
+                    </a:lnB>
+                  </a:tcPr>
+                </a:tc>
+                <a:tc>
+                  <a:txBody>
+                    <a:bodyPr/>
+                    <a:lstStyle/>
+                    <a:p>
+                      <a:pPr algn="r" fontAlgn="b"/>
+                      <a:r>
+                        <a:rPr lang="en-US" sz="1000" b="0" i="0" u="none" strike="noStrike" kern="1200" dirty="0">
+                          <a:solidFill>
+                            <a:srgbClr val="000000"/>
+                          </a:solidFill>
+                          <a:effectLst/>
+                          <a:latin typeface="Calibri" panose="020F0502020204030204" pitchFamily="34" charset="0"/>
+                          <a:ea typeface="+mn-ea"/>
+                          <a:cs typeface="+mn-cs"/>
+                        </a:rPr>
+                        <a:t>4.32E-06</a:t>
+                      </a:r>
+                    </a:p>
+                  </a:txBody>
+                  <a:tcPr marL="7620" marR="7620" marT="7620" marB="0" anchor="b">
+                    <a:lnL>
+                      <a:noFill/>
+                    </a:lnL>
+                    <a:lnR>
+                      <a:noFill/>
+                    </a:lnR>
+                    <a:lnT>
+                      <a:noFill/>
+                    </a:lnT>
+                    <a:lnB>
+                      <a:noFill/>
+                    </a:lnB>
+                  </a:tcPr>
+                </a:tc>
+                <a:tc>
+                  <a:txBody>
+                    <a:bodyPr/>
+                    <a:lstStyle/>
+                    <a:p>
+                      <a:pPr algn="r" fontAlgn="b"/>
+                      <a:r>
+                        <a:rPr lang="en-US" sz="1000" b="0" i="0" u="none" strike="noStrike" dirty="0">
+                          <a:solidFill>
+                            <a:srgbClr val="000000"/>
+                          </a:solidFill>
+                          <a:effectLst/>
+                          <a:latin typeface="Calibri" panose="020F0502020204030204" pitchFamily="34" charset="0"/>
+                        </a:rPr>
+                        <a:t>0.0004</a:t>
+                      </a:r>
+                    </a:p>
+                  </a:txBody>
+                  <a:tcPr marL="6877" marR="6877" marT="6877" marB="0" anchor="b">
+                    <a:lnL>
+                      <a:noFill/>
+                    </a:lnL>
+                    <a:lnR>
+                      <a:noFill/>
+                    </a:lnR>
+                    <a:lnT>
+                      <a:noFill/>
+                    </a:lnT>
+                    <a:lnB>
+                      <a:noFill/>
+                    </a:lnB>
+                  </a:tcPr>
+                </a:tc>
+                <a:tc>
+                  <a:txBody>
+                    <a:bodyPr/>
+                    <a:lstStyle/>
+                    <a:p>
+                      <a:pPr algn="r" fontAlgn="b"/>
+                      <a:r>
+                        <a:rPr lang="en-US" sz="1000" b="0" i="0" u="none" strike="noStrike" dirty="0">
+                          <a:solidFill>
+                            <a:srgbClr val="000000"/>
+                          </a:solidFill>
+                          <a:effectLst/>
+                          <a:latin typeface="Calibri" panose="020F0502020204030204" pitchFamily="34" charset="0"/>
+                        </a:rPr>
+                        <a:t>0.0005</a:t>
+                      </a:r>
+                    </a:p>
+                  </a:txBody>
+                  <a:tcPr marL="6877" marR="6877" marT="6877" marB="0" anchor="b">
+                    <a:lnL>
+                      <a:noFill/>
+                    </a:lnL>
+                    <a:lnR>
+                      <a:noFill/>
+                    </a:lnR>
+                    <a:lnT>
+                      <a:noFill/>
+                    </a:lnT>
+                    <a:lnB>
+                      <a:noFill/>
+                    </a:lnB>
+                  </a:tcPr>
+                </a:tc>
+                <a:extLst>
+                  <a:ext uri="{0D108BD9-81ED-4DB2-BD59-A6C34878D82A}">
+                    <a16:rowId xmlns:a16="http://schemas.microsoft.com/office/drawing/2014/main" val="2294512254"/>
                   </a:ext>
                 </a:extLst>
               </a:tr>
@@ -21605,6 +21912,322 @@
           </a:graphicData>
         </a:graphic>
       </p:graphicFrame>
+      <p:sp>
+        <p:nvSpPr>
+          <p:cNvPr id="16" name="TextBox 15">
+            <a:extLst>
+              <a:ext uri="{FF2B5EF4-FFF2-40B4-BE49-F238E27FC236}">
+                <a16:creationId xmlns:a16="http://schemas.microsoft.com/office/drawing/2014/main" id="{0D2545A9-0BC0-4F52-AF16-CB2609247D44}"/>
+              </a:ext>
+            </a:extLst>
+          </p:cNvPr>
+          <p:cNvSpPr txBox="1"/>
+          <p:nvPr/>
+        </p:nvSpPr>
+        <p:spPr>
+          <a:xfrm>
+            <a:off x="3908455" y="5200012"/>
+            <a:ext cx="3079689" cy="307777"/>
+          </a:xfrm>
+          <a:prstGeom prst="rect">
+            <a:avLst/>
+          </a:prstGeom>
+          <a:noFill/>
+        </p:spPr>
+        <p:txBody>
+          <a:bodyPr wrap="none" rtlCol="0">
+            <a:spAutoFit/>
+          </a:bodyPr>
+          <a:lstStyle/>
+          <a:p>
+            <a:r>
+              <a:rPr lang="en-US" sz="1400" dirty="0">
+                <a:solidFill>
+                  <a:srgbClr val="000000"/>
+                </a:solidFill>
+              </a:rPr>
+              <a:t>Change the distribution accordingly</a:t>
+            </a:r>
+          </a:p>
+        </p:txBody>
+      </p:sp>
+      <p:sp>
+        <p:nvSpPr>
+          <p:cNvPr id="17" name="Rectangle 16">
+            <a:extLst>
+              <a:ext uri="{FF2B5EF4-FFF2-40B4-BE49-F238E27FC236}">
+                <a16:creationId xmlns:a16="http://schemas.microsoft.com/office/drawing/2014/main" id="{339CA278-C179-432C-8562-84043CF31543}"/>
+              </a:ext>
+            </a:extLst>
+          </p:cNvPr>
+          <p:cNvSpPr/>
+          <p:nvPr/>
+        </p:nvSpPr>
+        <p:spPr bwMode="auto">
+          <a:xfrm>
+            <a:off x="4953000" y="3505201"/>
+            <a:ext cx="990600" cy="838200"/>
+          </a:xfrm>
+          <a:prstGeom prst="rect">
+            <a:avLst/>
+          </a:prstGeom>
+          <a:noFill/>
+          <a:ln w="19050" cap="flat" cmpd="sng" algn="ctr">
+            <a:solidFill>
+              <a:srgbClr val="C00000"/>
+            </a:solidFill>
+            <a:prstDash val="solid"/>
+            <a:round/>
+            <a:headEnd type="none" w="med" len="med"/>
+            <a:tailEnd type="none" w="med" len="med"/>
+          </a:ln>
+          <a:effectLst/>
+        </p:spPr>
+        <p:txBody>
+          <a:bodyPr vert="horz" wrap="square" lIns="91440" tIns="45720" rIns="91440" bIns="45720" numCol="1" rtlCol="0" anchor="t" anchorCtr="0" compatLnSpc="1">
+            <a:prstTxWarp prst="textNoShape">
+              <a:avLst/>
+            </a:prstTxWarp>
+          </a:bodyPr>
+          <a:lstStyle/>
+          <a:p>
+            <a:pPr marL="0" marR="0" indent="0" algn="l" defTabSz="914400" rtl="0" eaLnBrk="1" fontAlgn="base" latinLnBrk="0" hangingPunct="1">
+              <a:lnSpc>
+                <a:spcPct val="100000"/>
+              </a:lnSpc>
+              <a:spcBef>
+                <a:spcPct val="0"/>
+              </a:spcBef>
+              <a:spcAft>
+                <a:spcPct val="0"/>
+              </a:spcAft>
+              <a:buClrTx/>
+              <a:buSzTx/>
+              <a:buFontTx/>
+              <a:buNone/>
+              <a:tabLst/>
+            </a:pPr>
+            <a:endParaRPr kumimoji="0" lang="en-US" sz="1800" b="0" i="0" u="none" strike="noStrike" cap="none" normalizeH="0" baseline="0">
+              <a:ln>
+                <a:noFill/>
+              </a:ln>
+              <a:solidFill>
+                <a:srgbClr val="C00000"/>
+              </a:solidFill>
+              <a:effectLst/>
+              <a:latin typeface="Calibri" pitchFamily="34" charset="0"/>
+            </a:endParaRPr>
+          </a:p>
+        </p:txBody>
+      </p:sp>
+      <p:cxnSp>
+        <p:nvCxnSpPr>
+          <p:cNvPr id="18" name="Straight Arrow Connector 17">
+            <a:extLst>
+              <a:ext uri="{FF2B5EF4-FFF2-40B4-BE49-F238E27FC236}">
+                <a16:creationId xmlns:a16="http://schemas.microsoft.com/office/drawing/2014/main" id="{7DB07FBE-9FE1-4BEF-AF9C-2C5913A9AF6C}"/>
+              </a:ext>
+            </a:extLst>
+          </p:cNvPr>
+          <p:cNvCxnSpPr>
+            <a:cxnSpLocks/>
+            <a:stCxn id="16" idx="0"/>
+            <a:endCxn id="17" idx="2"/>
+          </p:cNvCxnSpPr>
+          <p:nvPr/>
+        </p:nvCxnSpPr>
+        <p:spPr bwMode="auto">
+          <a:xfrm flipV="1">
+            <a:off x="5448300" y="4343401"/>
+            <a:ext cx="0" cy="856611"/>
+          </a:xfrm>
+          <a:prstGeom prst="straightConnector1">
+            <a:avLst/>
+          </a:prstGeom>
+          <a:noFill/>
+          <a:ln w="9525" cap="flat" cmpd="sng" algn="ctr">
+            <a:solidFill>
+              <a:schemeClr val="bg2">
+                <a:lumMod val="10000"/>
+              </a:schemeClr>
+            </a:solidFill>
+            <a:prstDash val="solid"/>
+            <a:round/>
+            <a:headEnd type="none" w="med" len="med"/>
+            <a:tailEnd type="triangle"/>
+          </a:ln>
+          <a:effectLst/>
+        </p:spPr>
+      </p:cxnSp>
+      <p:sp>
+        <p:nvSpPr>
+          <p:cNvPr id="19" name="Rectangle 18">
+            <a:extLst>
+              <a:ext uri="{FF2B5EF4-FFF2-40B4-BE49-F238E27FC236}">
+                <a16:creationId xmlns:a16="http://schemas.microsoft.com/office/drawing/2014/main" id="{8F051C9A-8DAF-4FFF-9E3C-B2DA7904929F}"/>
+              </a:ext>
+            </a:extLst>
+          </p:cNvPr>
+          <p:cNvSpPr/>
+          <p:nvPr/>
+        </p:nvSpPr>
+        <p:spPr bwMode="auto">
+          <a:xfrm>
+            <a:off x="6019800" y="3505200"/>
+            <a:ext cx="2514597" cy="838200"/>
+          </a:xfrm>
+          <a:prstGeom prst="rect">
+            <a:avLst/>
+          </a:prstGeom>
+          <a:noFill/>
+          <a:ln w="19050" cap="flat" cmpd="sng" algn="ctr">
+            <a:solidFill>
+              <a:srgbClr val="C00000"/>
+            </a:solidFill>
+            <a:prstDash val="solid"/>
+            <a:round/>
+            <a:headEnd type="none" w="med" len="med"/>
+            <a:tailEnd type="none" w="med" len="med"/>
+          </a:ln>
+          <a:effectLst/>
+        </p:spPr>
+        <p:txBody>
+          <a:bodyPr vert="horz" wrap="square" lIns="91440" tIns="45720" rIns="91440" bIns="45720" numCol="1" rtlCol="0" anchor="t" anchorCtr="0" compatLnSpc="1">
+            <a:prstTxWarp prst="textNoShape">
+              <a:avLst/>
+            </a:prstTxWarp>
+          </a:bodyPr>
+          <a:lstStyle/>
+          <a:p>
+            <a:pPr marL="0" marR="0" indent="0" algn="l" defTabSz="914400" rtl="0" eaLnBrk="1" fontAlgn="base" latinLnBrk="0" hangingPunct="1">
+              <a:lnSpc>
+                <a:spcPct val="100000"/>
+              </a:lnSpc>
+              <a:spcBef>
+                <a:spcPct val="0"/>
+              </a:spcBef>
+              <a:spcAft>
+                <a:spcPct val="0"/>
+              </a:spcAft>
+              <a:buClrTx/>
+              <a:buSzTx/>
+              <a:buFontTx/>
+              <a:buNone/>
+              <a:tabLst/>
+            </a:pPr>
+            <a:endParaRPr kumimoji="0" lang="en-US" sz="1800" b="0" i="0" u="none" strike="noStrike" cap="none" normalizeH="0" baseline="0">
+              <a:ln>
+                <a:noFill/>
+              </a:ln>
+              <a:solidFill>
+                <a:srgbClr val="C00000"/>
+              </a:solidFill>
+              <a:effectLst/>
+              <a:latin typeface="Calibri" pitchFamily="34" charset="0"/>
+            </a:endParaRPr>
+          </a:p>
+        </p:txBody>
+      </p:sp>
+      <p:sp>
+        <p:nvSpPr>
+          <p:cNvPr id="20" name="Rectangle 19">
+            <a:extLst>
+              <a:ext uri="{FF2B5EF4-FFF2-40B4-BE49-F238E27FC236}">
+                <a16:creationId xmlns:a16="http://schemas.microsoft.com/office/drawing/2014/main" id="{3C1CC3A9-D0C1-4AB5-8C70-6150D8546458}"/>
+              </a:ext>
+            </a:extLst>
+          </p:cNvPr>
+          <p:cNvSpPr/>
+          <p:nvPr/>
+        </p:nvSpPr>
+        <p:spPr>
+          <a:xfrm>
+            <a:off x="5777329" y="5803901"/>
+            <a:ext cx="3078087" cy="523220"/>
+          </a:xfrm>
+          <a:prstGeom prst="rect">
+            <a:avLst/>
+          </a:prstGeom>
+        </p:spPr>
+        <p:txBody>
+          <a:bodyPr wrap="none">
+            <a:spAutoFit/>
+          </a:bodyPr>
+          <a:lstStyle/>
+          <a:p>
+            <a:r>
+              <a:rPr lang="en-US" sz="1400" kern="0" dirty="0">
+                <a:solidFill>
+                  <a:srgbClr val="000000"/>
+                </a:solidFill>
+              </a:rPr>
+              <a:t>Assign </a:t>
+            </a:r>
+            <a:r>
+              <a:rPr lang="en-US" sz="1400" dirty="0">
+                <a:solidFill>
+                  <a:srgbClr val="000000"/>
+                </a:solidFill>
+              </a:rPr>
+              <a:t>prior distribution parameters</a:t>
+            </a:r>
+            <a:br>
+              <a:rPr lang="en-US" sz="1400" dirty="0">
+                <a:solidFill>
+                  <a:srgbClr val="000000"/>
+                </a:solidFill>
+              </a:rPr>
+            </a:br>
+            <a:r>
+              <a:rPr lang="en-US" sz="1400" dirty="0">
+                <a:solidFill>
+                  <a:srgbClr val="000000"/>
+                </a:solidFill>
+              </a:rPr>
+              <a:t>(including appropriate value bounds)</a:t>
+            </a:r>
+          </a:p>
+        </p:txBody>
+      </p:sp>
+      <p:cxnSp>
+        <p:nvCxnSpPr>
+          <p:cNvPr id="21" name="Straight Arrow Connector 20">
+            <a:extLst>
+              <a:ext uri="{FF2B5EF4-FFF2-40B4-BE49-F238E27FC236}">
+                <a16:creationId xmlns:a16="http://schemas.microsoft.com/office/drawing/2014/main" id="{E43D0D0A-21B1-4877-B2AF-D2CE4EF90231}"/>
+              </a:ext>
+            </a:extLst>
+          </p:cNvPr>
+          <p:cNvCxnSpPr>
+            <a:cxnSpLocks/>
+            <a:stCxn id="20" idx="0"/>
+            <a:endCxn id="19" idx="2"/>
+          </p:cNvCxnSpPr>
+          <p:nvPr/>
+        </p:nvCxnSpPr>
+        <p:spPr bwMode="auto">
+          <a:xfrm flipH="1" flipV="1">
+            <a:off x="7277099" y="4343400"/>
+            <a:ext cx="39274" cy="1460501"/>
+          </a:xfrm>
+          <a:prstGeom prst="straightConnector1">
+            <a:avLst/>
+          </a:prstGeom>
+          <a:noFill/>
+          <a:ln w="9525" cap="flat" cmpd="sng" algn="ctr">
+            <a:solidFill>
+              <a:schemeClr val="bg2">
+                <a:lumMod val="10000"/>
+              </a:schemeClr>
+            </a:solidFill>
+            <a:prstDash val="solid"/>
+            <a:round/>
+            <a:headEnd type="none" w="med" len="med"/>
+            <a:tailEnd type="triangle"/>
+          </a:ln>
+          <a:effectLst/>
+        </p:spPr>
+      </p:cxnSp>
     </p:spTree>
     <p:extLst>
       <p:ext uri="{BB962C8B-B14F-4D97-AF65-F5344CB8AC3E}">
